--- a/Practica3/Greedy.pptx
+++ b/Practica3/Greedy.pptx
@@ -10,14 +10,17 @@
     <p:sldId id="258" r:id="rId4"/>
     <p:sldId id="259" r:id="rId5"/>
     <p:sldId id="266" r:id="rId6"/>
-    <p:sldId id="260" r:id="rId7"/>
-    <p:sldId id="261" r:id="rId8"/>
-    <p:sldId id="262" r:id="rId9"/>
-    <p:sldId id="263" r:id="rId10"/>
-    <p:sldId id="264" r:id="rId11"/>
-    <p:sldId id="265" r:id="rId12"/>
-    <p:sldId id="267" r:id="rId13"/>
-    <p:sldId id="268" r:id="rId14"/>
+    <p:sldId id="269" r:id="rId7"/>
+    <p:sldId id="260" r:id="rId8"/>
+    <p:sldId id="261" r:id="rId9"/>
+    <p:sldId id="262" r:id="rId10"/>
+    <p:sldId id="263" r:id="rId11"/>
+    <p:sldId id="264" r:id="rId12"/>
+    <p:sldId id="265" r:id="rId13"/>
+    <p:sldId id="267" r:id="rId14"/>
+    <p:sldId id="270" r:id="rId15"/>
+    <p:sldId id="268" r:id="rId16"/>
+    <p:sldId id="271" r:id="rId17"/>
   </p:sldIdLst>
   <p:sldSz cx="12192000" cy="6858000"/>
   <p:notesSz cx="6858000" cy="9144000"/>
@@ -350,7 +353,7 @@
           <a:p>
             <a:fld id="{4BDF68E2-58F2-4D09-BE8B-E3BD06533059}" type="datetimeFigureOut">
               <a:rPr lang="en-US" dirty="0"/>
-              <a:t>5/20/2017</a:t>
+              <a:t>5/23/2017</a:t>
             </a:fld>
             <a:endParaRPr lang="en-US" dirty="0"/>
           </a:p>
@@ -553,7 +556,7 @@
           <a:p>
             <a:fld id="{2E2D6473-DF6D-4702-B328-E0DD40540A4E}" type="datetimeFigureOut">
               <a:rPr lang="en-US" dirty="0"/>
-              <a:t>5/20/2017</a:t>
+              <a:t>5/23/2017</a:t>
             </a:fld>
             <a:endParaRPr lang="en-US" dirty="0"/>
           </a:p>
@@ -804,7 +807,7 @@
           <a:p>
             <a:fld id="{E26F7E3A-B166-407D-9866-32884E7D5B37}" type="datetimeFigureOut">
               <a:rPr lang="en-US" dirty="0"/>
-              <a:t>5/20/2017</a:t>
+              <a:t>5/23/2017</a:t>
             </a:fld>
             <a:endParaRPr lang="en-US" dirty="0"/>
           </a:p>
@@ -973,7 +976,7 @@
           <a:p>
             <a:fld id="{528FC5F6-F338-4AE4-BB23-26385BCFC423}" type="datetimeFigureOut">
               <a:rPr lang="en-US" dirty="0"/>
-              <a:t>5/20/2017</a:t>
+              <a:t>5/23/2017</a:t>
             </a:fld>
             <a:endParaRPr lang="en-US" dirty="0"/>
           </a:p>
@@ -1311,7 +1314,7 @@
           <a:p>
             <a:fld id="{20EBB0C4-6273-4C6E-B9BD-2EDC30F1CD52}" type="datetimeFigureOut">
               <a:rPr lang="en-US" dirty="0"/>
-              <a:t>5/20/2017</a:t>
+              <a:t>5/23/2017</a:t>
             </a:fld>
             <a:endParaRPr lang="en-US" dirty="0"/>
           </a:p>
@@ -1581,7 +1584,7 @@
           <a:p>
             <a:fld id="{19AB4D41-86C1-4908-B66A-0B50CEB3BF29}" type="datetimeFigureOut">
               <a:rPr lang="en-US" dirty="0"/>
-              <a:t>5/20/2017</a:t>
+              <a:t>5/23/2017</a:t>
             </a:fld>
             <a:endParaRPr lang="en-US" dirty="0"/>
           </a:p>
@@ -1955,7 +1958,7 @@
           <a:p>
             <a:fld id="{E6426E2C-56C1-4E0D-A793-0088A7FDD37E}" type="datetimeFigureOut">
               <a:rPr lang="en-US" dirty="0"/>
-              <a:t>5/20/2017</a:t>
+              <a:t>5/23/2017</a:t>
             </a:fld>
             <a:endParaRPr lang="en-US" dirty="0"/>
           </a:p>
@@ -2068,7 +2071,7 @@
           <a:p>
             <a:fld id="{C8C39B41-D8B5-4052-B551-9B5525EAA8B6}" type="datetimeFigureOut">
               <a:rPr lang="en-US" dirty="0"/>
-              <a:t>5/20/2017</a:t>
+              <a:t>5/23/2017</a:t>
             </a:fld>
             <a:endParaRPr lang="en-US" dirty="0"/>
           </a:p>
@@ -2234,7 +2237,7 @@
           <a:p>
             <a:fld id="{4D94136C-8742-45B2-AF27-D93DF72833A9}" type="datetimeFigureOut">
               <a:rPr lang="en-US" dirty="0"/>
-              <a:t>5/20/2017</a:t>
+              <a:t>5/23/2017</a:t>
             </a:fld>
             <a:endParaRPr lang="en-US" dirty="0"/>
           </a:p>
@@ -2584,7 +2587,7 @@
           <a:p>
             <a:fld id="{32ABBEA6-7C60-4B02-AE87-00D78D8422AF}" type="datetimeFigureOut">
               <a:rPr lang="en-US" dirty="0"/>
-              <a:t>5/20/2017</a:t>
+              <a:t>5/23/2017</a:t>
             </a:fld>
             <a:endParaRPr lang="en-US" dirty="0"/>
           </a:p>
@@ -2962,7 +2965,7 @@
           <a:p>
             <a:fld id="{C9CAD897-D46E-4AD2-BD9B-49DD3E640873}" type="datetimeFigureOut">
               <a:rPr lang="en-US" dirty="0"/>
-              <a:t>5/20/2017</a:t>
+              <a:t>5/23/2017</a:t>
             </a:fld>
             <a:endParaRPr lang="en-US" dirty="0"/>
           </a:p>
@@ -3244,7 +3247,7 @@
           <a:p>
             <a:fld id="{98624D31-43A5-475A-80CF-332C9F6DCF35}" type="datetimeFigureOut">
               <a:rPr lang="en-US" dirty="0"/>
-              <a:t>5/20/2017</a:t>
+              <a:t>5/23/2017</a:t>
             </a:fld>
             <a:endParaRPr lang="en-US" dirty="0"/>
           </a:p>
@@ -3777,20 +3780,37 @@
         </p:nvSpPr>
         <p:spPr>
           <a:xfrm>
-            <a:off x="1097280" y="758952"/>
+            <a:off x="1097280" y="931946"/>
             <a:ext cx="10058400" cy="1924981"/>
           </a:xfrm>
         </p:spPr>
         <p:txBody>
-          <a:bodyPr/>
+          <a:bodyPr>
+            <a:normAutofit/>
+          </a:bodyPr>
           <a:lstStyle/>
           <a:p>
             <a:pPr algn="ctr"/>
+            <a:r>
+              <a:rPr lang="es-ES" dirty="0" smtClean="0"/>
+              <a:t>Algoritmos </a:t>
+            </a:r>
             <a:r>
               <a:rPr lang="es-ES" dirty="0" err="1" smtClean="0"/>
               <a:t>Greedy</a:t>
             </a:r>
-            <a:endParaRPr lang="es-ES" dirty="0"/>
+            <a:r>
+              <a:rPr lang="es-ES" dirty="0" smtClean="0"/>
+              <a:t/>
+            </a:r>
+            <a:br>
+              <a:rPr lang="es-ES" dirty="0" smtClean="0"/>
+            </a:br>
+            <a:r>
+              <a:rPr lang="es-ES" sz="6000" i="1" dirty="0" smtClean="0"/>
+              <a:t>Problema QAP</a:t>
+            </a:r>
+            <a:endParaRPr lang="es-ES" sz="6000" i="1" dirty="0"/>
           </a:p>
         </p:txBody>
       </p:sp>
@@ -3806,7 +3826,7 @@
         </p:nvSpPr>
         <p:spPr>
           <a:xfrm>
-            <a:off x="1097280" y="4580466"/>
+            <a:off x="1097280" y="4489849"/>
             <a:ext cx="10058400" cy="1727201"/>
           </a:xfrm>
         </p:spPr>
@@ -3863,6 +3883,782 @@
 </file>
 
 <file path=ppt/slides/slide10.xml><?xml version="1.0" encoding="utf-8"?>
+<p:sld xmlns:a="http://schemas.openxmlformats.org/drawingml/2006/main" xmlns:r="http://schemas.openxmlformats.org/officeDocument/2006/relationships" xmlns:p="http://schemas.openxmlformats.org/presentationml/2006/main">
+  <p:cSld>
+    <p:spTree>
+      <p:nvGrpSpPr>
+        <p:cNvPr id="1" name=""/>
+        <p:cNvGrpSpPr/>
+        <p:nvPr/>
+      </p:nvGrpSpPr>
+      <p:grpSpPr>
+        <a:xfrm>
+          <a:off x="0" y="0"/>
+          <a:ext cx="0" cy="0"/>
+          <a:chOff x="0" y="0"/>
+          <a:chExt cx="0" cy="0"/>
+        </a:xfrm>
+      </p:grpSpPr>
+      <p:sp>
+        <p:nvSpPr>
+          <p:cNvPr id="2" name="Título 1"/>
+          <p:cNvSpPr>
+            <a:spLocks noGrp="1"/>
+          </p:cNvSpPr>
+          <p:nvPr>
+            <p:ph type="title"/>
+          </p:nvPr>
+        </p:nvSpPr>
+        <p:spPr/>
+        <p:txBody>
+          <a:bodyPr/>
+          <a:lstStyle/>
+          <a:p>
+            <a:r>
+              <a:rPr lang="es-ES" dirty="0" smtClean="0"/>
+              <a:t>Ejemplo </a:t>
+            </a:r>
+            <a:r>
+              <a:rPr lang="es-ES" dirty="0" err="1" smtClean="0"/>
+              <a:t>Greedy</a:t>
+            </a:r>
+            <a:endParaRPr lang="es-ES" dirty="0"/>
+          </a:p>
+        </p:txBody>
+      </p:sp>
+      <p:graphicFrame>
+        <p:nvGraphicFramePr>
+          <p:cNvPr id="4" name="Marcador de contenido 3"/>
+          <p:cNvGraphicFramePr>
+            <a:graphicFrameLocks noGrp="1"/>
+          </p:cNvGraphicFramePr>
+          <p:nvPr>
+            <p:ph idx="1"/>
+          </p:nvPr>
+        </p:nvGraphicFramePr>
+        <p:xfrm>
+          <a:off x="1469496" y="2216667"/>
+          <a:ext cx="3758815" cy="736600"/>
+        </p:xfrm>
+        <a:graphic>
+          <a:graphicData uri="http://schemas.openxmlformats.org/drawingml/2006/table">
+            <a:tbl>
+              <a:tblPr firstRow="1" bandRow="1">
+                <a:tableStyleId>{5C22544A-7EE6-4342-B048-85BDC9FD1C3A}</a:tableStyleId>
+              </a:tblPr>
+              <a:tblGrid>
+                <a:gridCol w="751763"/>
+                <a:gridCol w="751763"/>
+                <a:gridCol w="751763"/>
+                <a:gridCol w="751763"/>
+                <a:gridCol w="751763"/>
+              </a:tblGrid>
+              <a:tr h="354436">
+                <a:tc>
+                  <a:txBody>
+                    <a:bodyPr/>
+                    <a:lstStyle/>
+                    <a:p>
+                      <a:pPr algn="ctr"/>
+                      <a:r>
+                        <a:rPr lang="es-ES" dirty="0" smtClean="0"/>
+                        <a:t>1</a:t>
+                      </a:r>
+                      <a:endParaRPr lang="es-ES" dirty="0"/>
+                    </a:p>
+                  </a:txBody>
+                  <a:tcPr/>
+                </a:tc>
+                <a:tc>
+                  <a:txBody>
+                    <a:bodyPr/>
+                    <a:lstStyle/>
+                    <a:p>
+                      <a:pPr algn="ctr"/>
+                      <a:r>
+                        <a:rPr lang="es-ES" dirty="0" smtClean="0"/>
+                        <a:t>2</a:t>
+                      </a:r>
+                      <a:endParaRPr lang="es-ES" dirty="0"/>
+                    </a:p>
+                  </a:txBody>
+                  <a:tcPr/>
+                </a:tc>
+                <a:tc>
+                  <a:txBody>
+                    <a:bodyPr/>
+                    <a:lstStyle/>
+                    <a:p>
+                      <a:pPr algn="ctr"/>
+                      <a:r>
+                        <a:rPr lang="es-ES" dirty="0" smtClean="0"/>
+                        <a:t>3</a:t>
+                      </a:r>
+                      <a:endParaRPr lang="es-ES" dirty="0"/>
+                    </a:p>
+                  </a:txBody>
+                  <a:tcPr/>
+                </a:tc>
+                <a:tc>
+                  <a:txBody>
+                    <a:bodyPr/>
+                    <a:lstStyle/>
+                    <a:p>
+                      <a:pPr algn="ctr"/>
+                      <a:r>
+                        <a:rPr lang="es-ES" dirty="0" smtClean="0"/>
+                        <a:t>4</a:t>
+                      </a:r>
+                      <a:endParaRPr lang="es-ES" dirty="0"/>
+                    </a:p>
+                  </a:txBody>
+                  <a:tcPr/>
+                </a:tc>
+                <a:tc>
+                  <a:txBody>
+                    <a:bodyPr/>
+                    <a:lstStyle/>
+                    <a:p>
+                      <a:pPr algn="ctr"/>
+                      <a:r>
+                        <a:rPr lang="es-ES" dirty="0" smtClean="0"/>
+                        <a:t>5</a:t>
+                      </a:r>
+                      <a:endParaRPr lang="es-ES" dirty="0"/>
+                    </a:p>
+                  </a:txBody>
+                  <a:tcPr/>
+                </a:tc>
+              </a:tr>
+              <a:tr h="370840">
+                <a:tc>
+                  <a:txBody>
+                    <a:bodyPr/>
+                    <a:lstStyle/>
+                    <a:p>
+                      <a:pPr algn="ctr"/>
+                      <a:r>
+                        <a:rPr lang="es-ES" dirty="0" smtClean="0"/>
+                        <a:t>44</a:t>
+                      </a:r>
+                      <a:endParaRPr lang="es-ES" dirty="0"/>
+                    </a:p>
+                  </a:txBody>
+                  <a:tcPr/>
+                </a:tc>
+                <a:tc>
+                  <a:txBody>
+                    <a:bodyPr/>
+                    <a:lstStyle/>
+                    <a:p>
+                      <a:pPr algn="ctr"/>
+                      <a:r>
+                        <a:rPr lang="es-ES" dirty="0" smtClean="0"/>
+                        <a:t>80</a:t>
+                      </a:r>
+                      <a:endParaRPr lang="es-ES" dirty="0"/>
+                    </a:p>
+                  </a:txBody>
+                  <a:tcPr/>
+                </a:tc>
+                <a:tc>
+                  <a:txBody>
+                    <a:bodyPr/>
+                    <a:lstStyle/>
+                    <a:p>
+                      <a:pPr algn="ctr"/>
+                      <a:r>
+                        <a:rPr lang="es-ES" dirty="0" smtClean="0"/>
+                        <a:t>160</a:t>
+                      </a:r>
+                      <a:endParaRPr lang="es-ES" dirty="0"/>
+                    </a:p>
+                  </a:txBody>
+                  <a:tcPr/>
+                </a:tc>
+                <a:tc>
+                  <a:txBody>
+                    <a:bodyPr/>
+                    <a:lstStyle/>
+                    <a:p>
+                      <a:pPr algn="ctr"/>
+                      <a:r>
+                        <a:rPr lang="es-ES" dirty="0" smtClean="0"/>
+                        <a:t>40</a:t>
+                      </a:r>
+                      <a:endParaRPr lang="es-ES" dirty="0"/>
+                    </a:p>
+                  </a:txBody>
+                  <a:tcPr/>
+                </a:tc>
+                <a:tc>
+                  <a:txBody>
+                    <a:bodyPr/>
+                    <a:lstStyle/>
+                    <a:p>
+                      <a:pPr algn="ctr"/>
+                      <a:r>
+                        <a:rPr lang="es-ES" dirty="0" smtClean="0"/>
+                        <a:t>241</a:t>
+                      </a:r>
+                      <a:endParaRPr lang="es-ES" dirty="0"/>
+                    </a:p>
+                  </a:txBody>
+                  <a:tcPr/>
+                </a:tc>
+              </a:tr>
+            </a:tbl>
+          </a:graphicData>
+        </a:graphic>
+      </p:graphicFrame>
+      <p:graphicFrame>
+        <p:nvGraphicFramePr>
+          <p:cNvPr id="5" name="Marcador de contenido 3"/>
+          <p:cNvGraphicFramePr>
+            <a:graphicFrameLocks/>
+          </p:cNvGraphicFramePr>
+          <p:nvPr/>
+        </p:nvGraphicFramePr>
+        <p:xfrm>
+          <a:off x="5812896" y="2210330"/>
+          <a:ext cx="3758815" cy="741680"/>
+        </p:xfrm>
+        <a:graphic>
+          <a:graphicData uri="http://schemas.openxmlformats.org/drawingml/2006/table">
+            <a:tbl>
+              <a:tblPr firstRow="1" bandRow="1">
+                <a:tableStyleId>{5C22544A-7EE6-4342-B048-85BDC9FD1C3A}</a:tableStyleId>
+              </a:tblPr>
+              <a:tblGrid>
+                <a:gridCol w="751763"/>
+                <a:gridCol w="751763"/>
+                <a:gridCol w="751763"/>
+                <a:gridCol w="751763"/>
+                <a:gridCol w="751763"/>
+              </a:tblGrid>
+              <a:tr h="370840">
+                <a:tc>
+                  <a:txBody>
+                    <a:bodyPr/>
+                    <a:lstStyle/>
+                    <a:p>
+                      <a:pPr algn="ctr"/>
+                      <a:r>
+                        <a:rPr lang="es-ES" dirty="0" smtClean="0"/>
+                        <a:t>1</a:t>
+                      </a:r>
+                      <a:endParaRPr lang="es-ES" dirty="0"/>
+                    </a:p>
+                  </a:txBody>
+                  <a:tcPr/>
+                </a:tc>
+                <a:tc>
+                  <a:txBody>
+                    <a:bodyPr/>
+                    <a:lstStyle/>
+                    <a:p>
+                      <a:pPr algn="ctr"/>
+                      <a:r>
+                        <a:rPr lang="es-ES" dirty="0" smtClean="0"/>
+                        <a:t>2</a:t>
+                      </a:r>
+                      <a:endParaRPr lang="es-ES" dirty="0"/>
+                    </a:p>
+                  </a:txBody>
+                  <a:tcPr/>
+                </a:tc>
+                <a:tc>
+                  <a:txBody>
+                    <a:bodyPr/>
+                    <a:lstStyle/>
+                    <a:p>
+                      <a:pPr algn="ctr"/>
+                      <a:r>
+                        <a:rPr lang="es-ES" dirty="0" smtClean="0"/>
+                        <a:t>3</a:t>
+                      </a:r>
+                      <a:endParaRPr lang="es-ES" dirty="0"/>
+                    </a:p>
+                  </a:txBody>
+                  <a:tcPr/>
+                </a:tc>
+                <a:tc>
+                  <a:txBody>
+                    <a:bodyPr/>
+                    <a:lstStyle/>
+                    <a:p>
+                      <a:pPr algn="ctr"/>
+                      <a:r>
+                        <a:rPr lang="es-ES" dirty="0" smtClean="0"/>
+                        <a:t>4</a:t>
+                      </a:r>
+                      <a:endParaRPr lang="es-ES" dirty="0"/>
+                    </a:p>
+                  </a:txBody>
+                  <a:tcPr/>
+                </a:tc>
+                <a:tc>
+                  <a:txBody>
+                    <a:bodyPr/>
+                    <a:lstStyle/>
+                    <a:p>
+                      <a:pPr algn="ctr"/>
+                      <a:r>
+                        <a:rPr lang="es-ES" dirty="0" smtClean="0"/>
+                        <a:t>5</a:t>
+                      </a:r>
+                      <a:endParaRPr lang="es-ES" dirty="0"/>
+                    </a:p>
+                  </a:txBody>
+                  <a:tcPr/>
+                </a:tc>
+              </a:tr>
+              <a:tr h="370840">
+                <a:tc>
+                  <a:txBody>
+                    <a:bodyPr/>
+                    <a:lstStyle/>
+                    <a:p>
+                      <a:pPr algn="ctr"/>
+                      <a:r>
+                        <a:rPr lang="es-ES" dirty="0" smtClean="0"/>
+                        <a:t>16</a:t>
+                      </a:r>
+                      <a:endParaRPr lang="es-ES" dirty="0"/>
+                    </a:p>
+                  </a:txBody>
+                  <a:tcPr/>
+                </a:tc>
+                <a:tc>
+                  <a:txBody>
+                    <a:bodyPr/>
+                    <a:lstStyle/>
+                    <a:p>
+                      <a:pPr algn="ctr"/>
+                      <a:r>
+                        <a:rPr lang="es-ES" dirty="0" smtClean="0"/>
+                        <a:t>24</a:t>
+                      </a:r>
+                      <a:endParaRPr lang="es-ES" dirty="0"/>
+                    </a:p>
+                  </a:txBody>
+                  <a:tcPr/>
+                </a:tc>
+                <a:tc>
+                  <a:txBody>
+                    <a:bodyPr/>
+                    <a:lstStyle/>
+                    <a:p>
+                      <a:pPr algn="ctr"/>
+                      <a:r>
+                        <a:rPr lang="es-ES" dirty="0" smtClean="0"/>
+                        <a:t>50</a:t>
+                      </a:r>
+                      <a:endParaRPr lang="es-ES" dirty="0"/>
+                    </a:p>
+                  </a:txBody>
+                  <a:tcPr/>
+                </a:tc>
+                <a:tc>
+                  <a:txBody>
+                    <a:bodyPr/>
+                    <a:lstStyle/>
+                    <a:p>
+                      <a:pPr algn="ctr"/>
+                      <a:r>
+                        <a:rPr lang="es-ES" dirty="0" smtClean="0"/>
+                        <a:t>78</a:t>
+                      </a:r>
+                      <a:endParaRPr lang="es-ES" dirty="0"/>
+                    </a:p>
+                  </a:txBody>
+                  <a:tcPr/>
+                </a:tc>
+                <a:tc>
+                  <a:txBody>
+                    <a:bodyPr/>
+                    <a:lstStyle/>
+                    <a:p>
+                      <a:pPr algn="ctr"/>
+                      <a:r>
+                        <a:rPr lang="es-ES" dirty="0" smtClean="0"/>
+                        <a:t>123</a:t>
+                      </a:r>
+                      <a:endParaRPr lang="es-ES" dirty="0"/>
+                    </a:p>
+                  </a:txBody>
+                  <a:tcPr/>
+                </a:tc>
+              </a:tr>
+            </a:tbl>
+          </a:graphicData>
+        </a:graphic>
+      </p:graphicFrame>
+      <p:sp>
+        <p:nvSpPr>
+          <p:cNvPr id="6" name="CuadroTexto 5"/>
+          <p:cNvSpPr txBox="1"/>
+          <p:nvPr/>
+        </p:nvSpPr>
+        <p:spPr>
+          <a:xfrm>
+            <a:off x="1097280" y="2328334"/>
+            <a:ext cx="550333" cy="369332"/>
+          </a:xfrm>
+          <a:prstGeom prst="rect">
+            <a:avLst/>
+          </a:prstGeom>
+          <a:noFill/>
+        </p:spPr>
+        <p:txBody>
+          <a:bodyPr wrap="square" rtlCol="0">
+            <a:spAutoFit/>
+          </a:bodyPr>
+          <a:lstStyle/>
+          <a:p>
+            <a:r>
+              <a:rPr lang="es-ES" dirty="0" err="1" smtClean="0"/>
+              <a:t>d</a:t>
+            </a:r>
+            <a:r>
+              <a:rPr lang="es-ES" sz="1200" dirty="0" err="1" smtClean="0"/>
+              <a:t>p</a:t>
+            </a:r>
+            <a:endParaRPr lang="es-ES" sz="1200" dirty="0"/>
+          </a:p>
+        </p:txBody>
+      </p:sp>
+      <p:sp>
+        <p:nvSpPr>
+          <p:cNvPr id="7" name="CuadroTexto 6"/>
+          <p:cNvSpPr txBox="1"/>
+          <p:nvPr/>
+        </p:nvSpPr>
+        <p:spPr>
+          <a:xfrm>
+            <a:off x="5477933" y="2328334"/>
+            <a:ext cx="550333" cy="369332"/>
+          </a:xfrm>
+          <a:prstGeom prst="rect">
+            <a:avLst/>
+          </a:prstGeom>
+          <a:noFill/>
+        </p:spPr>
+        <p:txBody>
+          <a:bodyPr wrap="square" rtlCol="0">
+            <a:spAutoFit/>
+          </a:bodyPr>
+          <a:lstStyle/>
+          <a:p>
+            <a:r>
+              <a:rPr lang="es-ES" dirty="0" err="1"/>
+              <a:t>f</a:t>
+            </a:r>
+            <a:r>
+              <a:rPr lang="es-ES" sz="1200" dirty="0" err="1" smtClean="0"/>
+              <a:t>p</a:t>
+            </a:r>
+            <a:endParaRPr lang="es-ES" sz="1200" dirty="0"/>
+          </a:p>
+        </p:txBody>
+      </p:sp>
+      <p:graphicFrame>
+        <p:nvGraphicFramePr>
+          <p:cNvPr id="9" name="Marcador de contenido 3"/>
+          <p:cNvGraphicFramePr>
+            <a:graphicFrameLocks/>
+          </p:cNvGraphicFramePr>
+          <p:nvPr>
+            <p:extLst>
+              <p:ext uri="{D42A27DB-BD31-4B8C-83A1-F6EECF244321}">
+                <p14:modId xmlns:p14="http://schemas.microsoft.com/office/powerpoint/2010/main" val="2267575021"/>
+              </p:ext>
+            </p:extLst>
+          </p:nvPr>
+        </p:nvGraphicFramePr>
+        <p:xfrm>
+          <a:off x="3090333" y="4445530"/>
+          <a:ext cx="4618709" cy="741680"/>
+        </p:xfrm>
+        <a:graphic>
+          <a:graphicData uri="http://schemas.openxmlformats.org/drawingml/2006/table">
+            <a:tbl>
+              <a:tblPr firstRow="1" bandRow="1">
+                <a:tableStyleId>{5C22544A-7EE6-4342-B048-85BDC9FD1C3A}</a:tableStyleId>
+              </a:tblPr>
+              <a:tblGrid>
+                <a:gridCol w="1473200"/>
+                <a:gridCol w="639633"/>
+                <a:gridCol w="626469"/>
+                <a:gridCol w="626469"/>
+                <a:gridCol w="626469"/>
+                <a:gridCol w="626469"/>
+              </a:tblGrid>
+              <a:tr h="370840">
+                <a:tc>
+                  <a:txBody>
+                    <a:bodyPr/>
+                    <a:lstStyle/>
+                    <a:p>
+                      <a:pPr algn="ctr"/>
+                      <a:r>
+                        <a:rPr lang="es-ES" dirty="0" smtClean="0"/>
+                        <a:t>habitación</a:t>
+                      </a:r>
+                      <a:endParaRPr lang="es-ES" dirty="0"/>
+                    </a:p>
+                  </a:txBody>
+                  <a:tcPr/>
+                </a:tc>
+                <a:tc>
+                  <a:txBody>
+                    <a:bodyPr/>
+                    <a:lstStyle/>
+                    <a:p>
+                      <a:pPr algn="ctr"/>
+                      <a:r>
+                        <a:rPr lang="es-ES" dirty="0" smtClean="0"/>
+                        <a:t>1</a:t>
+                      </a:r>
+                      <a:endParaRPr lang="es-ES" dirty="0"/>
+                    </a:p>
+                  </a:txBody>
+                  <a:tcPr/>
+                </a:tc>
+                <a:tc>
+                  <a:txBody>
+                    <a:bodyPr/>
+                    <a:lstStyle/>
+                    <a:p>
+                      <a:pPr algn="ctr"/>
+                      <a:r>
+                        <a:rPr lang="es-ES" dirty="0" smtClean="0"/>
+                        <a:t>2</a:t>
+                      </a:r>
+                      <a:endParaRPr lang="es-ES" dirty="0"/>
+                    </a:p>
+                  </a:txBody>
+                  <a:tcPr/>
+                </a:tc>
+                <a:tc>
+                  <a:txBody>
+                    <a:bodyPr/>
+                    <a:lstStyle/>
+                    <a:p>
+                      <a:pPr algn="ctr"/>
+                      <a:r>
+                        <a:rPr lang="es-ES" dirty="0" smtClean="0"/>
+                        <a:t>3</a:t>
+                      </a:r>
+                      <a:endParaRPr lang="es-ES" dirty="0"/>
+                    </a:p>
+                  </a:txBody>
+                  <a:tcPr/>
+                </a:tc>
+                <a:tc>
+                  <a:txBody>
+                    <a:bodyPr/>
+                    <a:lstStyle/>
+                    <a:p>
+                      <a:pPr algn="ctr"/>
+                      <a:r>
+                        <a:rPr lang="es-ES" dirty="0" smtClean="0"/>
+                        <a:t>4</a:t>
+                      </a:r>
+                      <a:endParaRPr lang="es-ES" dirty="0"/>
+                    </a:p>
+                  </a:txBody>
+                  <a:tcPr/>
+                </a:tc>
+                <a:tc>
+                  <a:txBody>
+                    <a:bodyPr/>
+                    <a:lstStyle/>
+                    <a:p>
+                      <a:pPr algn="ctr"/>
+                      <a:r>
+                        <a:rPr lang="es-ES" dirty="0" smtClean="0"/>
+                        <a:t>5</a:t>
+                      </a:r>
+                      <a:endParaRPr lang="es-ES" dirty="0"/>
+                    </a:p>
+                  </a:txBody>
+                  <a:tcPr/>
+                </a:tc>
+              </a:tr>
+              <a:tr h="370840">
+                <a:tc>
+                  <a:txBody>
+                    <a:bodyPr/>
+                    <a:lstStyle/>
+                    <a:p>
+                      <a:pPr algn="ctr"/>
+                      <a:r>
+                        <a:rPr lang="es-ES" dirty="0" smtClean="0"/>
+                        <a:t>oficinista</a:t>
+                      </a:r>
+                      <a:endParaRPr lang="es-ES" dirty="0"/>
+                    </a:p>
+                  </a:txBody>
+                  <a:tcPr/>
+                </a:tc>
+                <a:tc>
+                  <a:txBody>
+                    <a:bodyPr/>
+                    <a:lstStyle/>
+                    <a:p>
+                      <a:pPr algn="ctr"/>
+                      <a:r>
+                        <a:rPr lang="es-ES" dirty="0" smtClean="0"/>
+                        <a:t>4</a:t>
+                      </a:r>
+                      <a:endParaRPr lang="es-ES" dirty="0"/>
+                    </a:p>
+                  </a:txBody>
+                  <a:tcPr/>
+                </a:tc>
+                <a:tc>
+                  <a:txBody>
+                    <a:bodyPr/>
+                    <a:lstStyle/>
+                    <a:p>
+                      <a:pPr algn="ctr"/>
+                      <a:r>
+                        <a:rPr lang="es-ES" dirty="0" smtClean="0"/>
+                        <a:t>3</a:t>
+                      </a:r>
+                      <a:endParaRPr lang="es-ES" dirty="0"/>
+                    </a:p>
+                  </a:txBody>
+                  <a:tcPr/>
+                </a:tc>
+                <a:tc>
+                  <a:txBody>
+                    <a:bodyPr/>
+                    <a:lstStyle/>
+                    <a:p>
+                      <a:endParaRPr lang="es-ES" dirty="0"/>
+                    </a:p>
+                  </a:txBody>
+                  <a:tcPr/>
+                </a:tc>
+                <a:tc>
+                  <a:txBody>
+                    <a:bodyPr/>
+                    <a:lstStyle/>
+                    <a:p>
+                      <a:pPr algn="ctr"/>
+                      <a:r>
+                        <a:rPr lang="es-ES" dirty="0" smtClean="0"/>
+                        <a:t>5</a:t>
+                      </a:r>
+                      <a:endParaRPr lang="es-ES" dirty="0"/>
+                    </a:p>
+                  </a:txBody>
+                  <a:tcPr/>
+                </a:tc>
+                <a:tc>
+                  <a:txBody>
+                    <a:bodyPr/>
+                    <a:lstStyle/>
+                    <a:p>
+                      <a:endParaRPr lang="es-ES" dirty="0"/>
+                    </a:p>
+                  </a:txBody>
+                  <a:tcPr/>
+                </a:tc>
+              </a:tr>
+            </a:tbl>
+          </a:graphicData>
+        </a:graphic>
+      </p:graphicFrame>
+      <p:cxnSp>
+        <p:nvCxnSpPr>
+          <p:cNvPr id="8" name="Conector recto de flecha 7"/>
+          <p:cNvCxnSpPr/>
+          <p:nvPr/>
+        </p:nvCxnSpPr>
+        <p:spPr>
+          <a:xfrm>
+            <a:off x="2650067" y="2895600"/>
+            <a:ext cx="2616200" cy="1566333"/>
+          </a:xfrm>
+          <a:prstGeom prst="straightConnector1">
+            <a:avLst/>
+          </a:prstGeom>
+          <a:ln>
+            <a:tailEnd type="triangle"/>
+          </a:ln>
+        </p:spPr>
+        <p:style>
+          <a:lnRef idx="1">
+            <a:schemeClr val="accent1"/>
+          </a:lnRef>
+          <a:fillRef idx="0">
+            <a:schemeClr val="accent1"/>
+          </a:fillRef>
+          <a:effectRef idx="0">
+            <a:schemeClr val="accent1"/>
+          </a:effectRef>
+          <a:fontRef idx="minor">
+            <a:schemeClr val="tx1"/>
+          </a:fontRef>
+        </p:style>
+      </p:cxnSp>
+      <p:cxnSp>
+        <p:nvCxnSpPr>
+          <p:cNvPr id="13" name="Conector recto de flecha 12"/>
+          <p:cNvCxnSpPr/>
+          <p:nvPr/>
+        </p:nvCxnSpPr>
+        <p:spPr>
+          <a:xfrm flipH="1">
+            <a:off x="5698067" y="2895600"/>
+            <a:ext cx="1896533" cy="2023533"/>
+          </a:xfrm>
+          <a:prstGeom prst="straightConnector1">
+            <a:avLst/>
+          </a:prstGeom>
+          <a:ln>
+            <a:tailEnd type="triangle"/>
+          </a:ln>
+        </p:spPr>
+        <p:style>
+          <a:lnRef idx="1">
+            <a:schemeClr val="accent1"/>
+          </a:lnRef>
+          <a:fillRef idx="0">
+            <a:schemeClr val="accent1"/>
+          </a:fillRef>
+          <a:effectRef idx="0">
+            <a:schemeClr val="accent1"/>
+          </a:effectRef>
+          <a:fontRef idx="minor">
+            <a:schemeClr val="tx1"/>
+          </a:fontRef>
+        </p:style>
+      </p:cxnSp>
+    </p:spTree>
+    <p:extLst>
+      <p:ext uri="{BB962C8B-B14F-4D97-AF65-F5344CB8AC3E}">
+        <p14:creationId xmlns:p14="http://schemas.microsoft.com/office/powerpoint/2010/main" val="3324098150"/>
+      </p:ext>
+    </p:extLst>
+  </p:cSld>
+  <p:clrMapOvr>
+    <a:masterClrMapping/>
+  </p:clrMapOvr>
+  <p:timing>
+    <p:tnLst>
+      <p:par>
+        <p:cTn id="1" dur="indefinite" restart="never" nodeType="tmRoot"/>
+      </p:par>
+    </p:tnLst>
+  </p:timing>
+</p:sld>
+</file>
+
+<file path=ppt/slides/slide11.xml><?xml version="1.0" encoding="utf-8"?>
 <p:sld xmlns:a="http://schemas.openxmlformats.org/drawingml/2006/main" xmlns:r="http://schemas.openxmlformats.org/officeDocument/2006/relationships" xmlns:p="http://schemas.openxmlformats.org/presentationml/2006/main">
   <p:cSld>
     <p:spTree>
@@ -4644,7 +5440,7 @@
 </p:sld>
 </file>
 
-<file path=ppt/slides/slide11.xml><?xml version="1.0" encoding="utf-8"?>
+<file path=ppt/slides/slide12.xml><?xml version="1.0" encoding="utf-8"?>
 <p:sld xmlns:a="http://schemas.openxmlformats.org/drawingml/2006/main" xmlns:r="http://schemas.openxmlformats.org/officeDocument/2006/relationships" xmlns:p="http://schemas.openxmlformats.org/presentationml/2006/main">
   <p:cSld>
     <p:spTree>
@@ -5430,167 +6226,6 @@
 </p:sld>
 </file>
 
-<file path=ppt/slides/slide12.xml><?xml version="1.0" encoding="utf-8"?>
-<p:sld xmlns:a="http://schemas.openxmlformats.org/drawingml/2006/main" xmlns:r="http://schemas.openxmlformats.org/officeDocument/2006/relationships" xmlns:p="http://schemas.openxmlformats.org/presentationml/2006/main">
-  <p:cSld>
-    <p:spTree>
-      <p:nvGrpSpPr>
-        <p:cNvPr id="1" name=""/>
-        <p:cNvGrpSpPr/>
-        <p:nvPr/>
-      </p:nvGrpSpPr>
-      <p:grpSpPr>
-        <a:xfrm>
-          <a:off x="0" y="0"/>
-          <a:ext cx="0" cy="0"/>
-          <a:chOff x="0" y="0"/>
-          <a:chExt cx="0" cy="0"/>
-        </a:xfrm>
-      </p:grpSpPr>
-      <p:sp>
-        <p:nvSpPr>
-          <p:cNvPr id="2" name="Título 1"/>
-          <p:cNvSpPr>
-            <a:spLocks noGrp="1"/>
-          </p:cNvSpPr>
-          <p:nvPr>
-            <p:ph type="title"/>
-          </p:nvPr>
-        </p:nvSpPr>
-        <p:spPr/>
-        <p:txBody>
-          <a:bodyPr/>
-          <a:lstStyle/>
-          <a:p>
-            <a:r>
-              <a:rPr lang="es-ES" dirty="0" smtClean="0"/>
-              <a:t>Casos reales de aplicación del algoritmo</a:t>
-            </a:r>
-            <a:endParaRPr lang="es-ES" dirty="0"/>
-          </a:p>
-        </p:txBody>
-      </p:sp>
-      <p:sp>
-        <p:nvSpPr>
-          <p:cNvPr id="3" name="Marcador de contenido 2"/>
-          <p:cNvSpPr>
-            <a:spLocks noGrp="1"/>
-          </p:cNvSpPr>
-          <p:nvPr>
-            <p:ph idx="1"/>
-          </p:nvPr>
-        </p:nvSpPr>
-        <p:spPr/>
-        <p:txBody>
-          <a:bodyPr/>
-          <a:lstStyle/>
-          <a:p>
-            <a:pPr>
-              <a:buFont typeface="Arial" panose="020B0604020202020204" pitchFamily="34" charset="0"/>
-              <a:buChar char="•"/>
-            </a:pPr>
-            <a:endParaRPr lang="es-ES" dirty="0" smtClean="0"/>
-          </a:p>
-          <a:p>
-            <a:pPr>
-              <a:buFont typeface="Arial" panose="020B0604020202020204" pitchFamily="34" charset="0"/>
-              <a:buChar char="•"/>
-            </a:pPr>
-            <a:r>
-              <a:rPr lang="es-ES" dirty="0" smtClean="0"/>
-              <a:t>Diseño </a:t>
-            </a:r>
-            <a:r>
-              <a:rPr lang="es-ES" dirty="0"/>
-              <a:t>de centros comerciales donde se quiere que el </a:t>
-            </a:r>
-            <a:r>
-              <a:rPr lang="es-ES" dirty="0" smtClean="0"/>
-              <a:t>público </a:t>
-            </a:r>
-            <a:r>
-              <a:rPr lang="es-ES" dirty="0"/>
-              <a:t>recorra la menor cantidad de</a:t>
-            </a:r>
-          </a:p>
-          <a:p>
-            <a:r>
-              <a:rPr lang="es-ES" dirty="0"/>
-              <a:t>distancia para llegar a tiendas de mayor </a:t>
-            </a:r>
-            <a:r>
-              <a:rPr lang="es-ES" dirty="0" smtClean="0"/>
-              <a:t>interés común.</a:t>
-            </a:r>
-          </a:p>
-          <a:p>
-            <a:endParaRPr lang="es-ES" dirty="0" smtClean="0"/>
-          </a:p>
-          <a:p>
-            <a:pPr>
-              <a:buFont typeface="Arial" panose="020B0604020202020204" pitchFamily="34" charset="0"/>
-              <a:buChar char="•"/>
-            </a:pPr>
-            <a:r>
-              <a:rPr lang="es-ES" dirty="0" smtClean="0"/>
-              <a:t>Diseño </a:t>
-            </a:r>
-            <a:r>
-              <a:rPr lang="es-ES" dirty="0"/>
-              <a:t>de circuitos </a:t>
-            </a:r>
-            <a:r>
-              <a:rPr lang="es-ES" dirty="0" smtClean="0"/>
-              <a:t>eléctricos, </a:t>
-            </a:r>
-            <a:r>
-              <a:rPr lang="es-ES" dirty="0"/>
-              <a:t>en donde es de relevante importancia donde se ubican ciertas</a:t>
-            </a:r>
-          </a:p>
-          <a:p>
-            <a:r>
-              <a:rPr lang="es-ES" dirty="0"/>
-              <a:t>partes o chips con el </a:t>
-            </a:r>
-            <a:r>
-              <a:rPr lang="es-ES" dirty="0" smtClean="0"/>
-              <a:t>fin </a:t>
-            </a:r>
-            <a:r>
-              <a:rPr lang="es-ES" dirty="0"/>
-              <a:t>de minimizar la distancia entre ellos, ya que las conexiones son de</a:t>
-            </a:r>
-          </a:p>
-          <a:p>
-            <a:r>
-              <a:rPr lang="es-ES" dirty="0"/>
-              <a:t>alto costo.</a:t>
-            </a:r>
-            <a:endParaRPr lang="es-ES" dirty="0"/>
-          </a:p>
-        </p:txBody>
-      </p:sp>
-    </p:spTree>
-    <p:extLst>
-      <p:ext uri="{BB962C8B-B14F-4D97-AF65-F5344CB8AC3E}">
-        <p14:creationId xmlns:p14="http://schemas.microsoft.com/office/powerpoint/2010/main" val="4115085448"/>
-      </p:ext>
-    </p:extLst>
-  </p:cSld>
-  <p:clrMapOvr>
-    <a:masterClrMapping/>
-  </p:clrMapOvr>
-  <p:timing>
-    <p:tnLst>
-      <p:par>
-        <p:cTn id="1" dur="indefinite" restart="never" nodeType="tmRoot"/>
-      </p:par>
-    </p:tnLst>
-  </p:timing>
-</p:sld>
-</file>
-
 <file path=ppt/slides/slide13.xml><?xml version="1.0" encoding="utf-8"?>
 <p:sld xmlns:a="http://schemas.openxmlformats.org/drawingml/2006/main" xmlns:r="http://schemas.openxmlformats.org/officeDocument/2006/relationships" xmlns:p="http://schemas.openxmlformats.org/presentationml/2006/main">
   <p:cSld>
@@ -5625,7 +6260,7 @@
           <a:p>
             <a:r>
               <a:rPr lang="es-ES" dirty="0" smtClean="0"/>
-              <a:t>Orden de eficiencia teórica</a:t>
+              <a:t>Casos reales de aplicación del algoritmo</a:t>
             </a:r>
             <a:endParaRPr lang="es-ES" dirty="0"/>
           </a:p>
@@ -5646,26 +6281,453 @@
           <a:bodyPr/>
           <a:lstStyle/>
           <a:p>
+            <a:pPr>
+              <a:buFont typeface="Arial" panose="020B0604020202020204" pitchFamily="34" charset="0"/>
+              <a:buChar char="•"/>
+            </a:pPr>
             <a:endParaRPr lang="es-ES" dirty="0" smtClean="0"/>
           </a:p>
           <a:p>
+            <a:pPr>
+              <a:buFont typeface="Arial" panose="020B0604020202020204" pitchFamily="34" charset="0"/>
+              <a:buChar char="•"/>
+            </a:pPr>
             <a:r>
               <a:rPr lang="es-ES" dirty="0" smtClean="0"/>
-              <a:t>Si n es el número de habitaciones y oficinistas el algoritmo tiene una eficiencia de O(n^2).</a:t>
-            </a:r>
-          </a:p>
-          <a:p>
+              <a:t> Diseño </a:t>
+            </a:r>
+            <a:r>
+              <a:rPr lang="es-ES" dirty="0"/>
+              <a:t>de </a:t>
+            </a:r>
+            <a:r>
+              <a:rPr lang="es-ES" b="1" dirty="0"/>
+              <a:t>centros comerciales </a:t>
+            </a:r>
+            <a:r>
+              <a:rPr lang="es-ES" dirty="0"/>
+              <a:t>donde se quiere que el </a:t>
+            </a:r>
             <a:r>
               <a:rPr lang="es-ES" dirty="0" smtClean="0"/>
-              <a:t>Esto es debido a que el algoritmo tiene n etapas, en las que se elige la habitación de mínima distancia potencial </a:t>
-            </a:r>
-            <a:r>
-              <a:rPr lang="es-ES" smtClean="0"/>
-              <a:t>y al </a:t>
+              <a:t>público </a:t>
+            </a:r>
+            <a:r>
+              <a:rPr lang="es-ES" dirty="0"/>
+              <a:t>recorra la menor cantidad de</a:t>
+            </a:r>
+          </a:p>
+          <a:p>
+            <a:r>
+              <a:rPr lang="es-ES" dirty="0"/>
+              <a:t>distancia para llegar a tiendas de mayor </a:t>
             </a:r>
             <a:r>
               <a:rPr lang="es-ES" dirty="0" smtClean="0"/>
-              <a:t>oficinista con máximo flujo potencial en cada etapa. Esta elección de habitación y oficinista requiere recorrer dos vectores de tamaño n, buscando el mínimo y el máximo respectivamente, por lo que la eficiencia es O(n^2).</a:t>
+              <a:t>interés común.</a:t>
+            </a:r>
+          </a:p>
+          <a:p>
+            <a:endParaRPr lang="es-ES" dirty="0" smtClean="0"/>
+          </a:p>
+          <a:p>
+            <a:pPr>
+              <a:buFont typeface="Arial" panose="020B0604020202020204" pitchFamily="34" charset="0"/>
+              <a:buChar char="•"/>
+            </a:pPr>
+            <a:r>
+              <a:rPr lang="es-ES" dirty="0" smtClean="0"/>
+              <a:t> Diseño </a:t>
+            </a:r>
+            <a:r>
+              <a:rPr lang="es-ES" dirty="0"/>
+              <a:t>de </a:t>
+            </a:r>
+            <a:r>
+              <a:rPr lang="es-ES" b="1" dirty="0"/>
+              <a:t>circuitos </a:t>
+            </a:r>
+            <a:r>
+              <a:rPr lang="es-ES" b="1" dirty="0" smtClean="0"/>
+              <a:t>eléctricos</a:t>
+            </a:r>
+            <a:r>
+              <a:rPr lang="es-ES" dirty="0" smtClean="0"/>
+              <a:t>, </a:t>
+            </a:r>
+            <a:r>
+              <a:rPr lang="es-ES" dirty="0"/>
+              <a:t>en donde es de relevante importancia donde se ubican ciertas</a:t>
+            </a:r>
+          </a:p>
+          <a:p>
+            <a:r>
+              <a:rPr lang="es-ES" dirty="0"/>
+              <a:t>partes o chips con el </a:t>
+            </a:r>
+            <a:r>
+              <a:rPr lang="es-ES" dirty="0" smtClean="0"/>
+              <a:t>fin </a:t>
+            </a:r>
+            <a:r>
+              <a:rPr lang="es-ES" dirty="0"/>
+              <a:t>de minimizar la distancia entre ellos, ya que las conexiones son de</a:t>
+            </a:r>
+          </a:p>
+          <a:p>
+            <a:r>
+              <a:rPr lang="es-ES" dirty="0"/>
+              <a:t>alto costo.</a:t>
+            </a:r>
+          </a:p>
+        </p:txBody>
+      </p:sp>
+    </p:spTree>
+    <p:extLst>
+      <p:ext uri="{BB962C8B-B14F-4D97-AF65-F5344CB8AC3E}">
+        <p14:creationId xmlns:p14="http://schemas.microsoft.com/office/powerpoint/2010/main" val="4115085448"/>
+      </p:ext>
+    </p:extLst>
+  </p:cSld>
+  <p:clrMapOvr>
+    <a:masterClrMapping/>
+  </p:clrMapOvr>
+  <p:timing>
+    <p:tnLst>
+      <p:par>
+        <p:cTn id="1" dur="indefinite" restart="never" nodeType="tmRoot"/>
+      </p:par>
+    </p:tnLst>
+  </p:timing>
+</p:sld>
+</file>
+
+<file path=ppt/slides/slide14.xml><?xml version="1.0" encoding="utf-8"?>
+<p:sld xmlns:a="http://schemas.openxmlformats.org/drawingml/2006/main" xmlns:r="http://schemas.openxmlformats.org/officeDocument/2006/relationships" xmlns:p="http://schemas.openxmlformats.org/presentationml/2006/main">
+  <p:cSld>
+    <p:spTree>
+      <p:nvGrpSpPr>
+        <p:cNvPr id="1" name=""/>
+        <p:cNvGrpSpPr/>
+        <p:nvPr/>
+      </p:nvGrpSpPr>
+      <p:grpSpPr>
+        <a:xfrm>
+          <a:off x="0" y="0"/>
+          <a:ext cx="0" cy="0"/>
+          <a:chOff x="0" y="0"/>
+          <a:chExt cx="0" cy="0"/>
+        </a:xfrm>
+      </p:grpSpPr>
+      <p:sp>
+        <p:nvSpPr>
+          <p:cNvPr id="2" name="Título 1"/>
+          <p:cNvSpPr>
+            <a:spLocks noGrp="1"/>
+          </p:cNvSpPr>
+          <p:nvPr>
+            <p:ph type="title"/>
+          </p:nvPr>
+        </p:nvSpPr>
+        <p:spPr/>
+        <p:txBody>
+          <a:bodyPr/>
+          <a:lstStyle/>
+          <a:p>
+            <a:r>
+              <a:rPr lang="es-ES" dirty="0" smtClean="0"/>
+              <a:t>Casos reales de aplicación del algoritmo</a:t>
+            </a:r>
+            <a:endParaRPr lang="es-ES" dirty="0"/>
+          </a:p>
+        </p:txBody>
+      </p:sp>
+      <p:sp>
+        <p:nvSpPr>
+          <p:cNvPr id="3" name="Marcador de contenido 2"/>
+          <p:cNvSpPr>
+            <a:spLocks noGrp="1"/>
+          </p:cNvSpPr>
+          <p:nvPr>
+            <p:ph idx="1"/>
+          </p:nvPr>
+        </p:nvSpPr>
+        <p:spPr/>
+        <p:txBody>
+          <a:bodyPr/>
+          <a:lstStyle/>
+          <a:p>
+            <a:pPr>
+              <a:buFont typeface="Arial" panose="020B0604020202020204" pitchFamily="34" charset="0"/>
+              <a:buChar char="•"/>
+            </a:pPr>
+            <a:r>
+              <a:rPr lang="es-ES" dirty="0" smtClean="0"/>
+              <a:t> Haremos un pequeño esquema de cómo resolveríamos el ejemplo de los </a:t>
+            </a:r>
+            <a:r>
+              <a:rPr lang="es-ES" b="1" dirty="0" smtClean="0"/>
+              <a:t>centros comerciales </a:t>
+            </a:r>
+            <a:r>
+              <a:rPr lang="es-ES" dirty="0" smtClean="0"/>
+              <a:t>descrito tal y como hemos hecho con los oficinistas y habitaciones.</a:t>
+            </a:r>
+            <a:endParaRPr lang="es-ES" dirty="0" smtClean="0"/>
+          </a:p>
+          <a:p>
+            <a:pPr>
+              <a:buFont typeface="Arial" panose="020B0604020202020204" pitchFamily="34" charset="0"/>
+              <a:buChar char="•"/>
+            </a:pPr>
+            <a:r>
+              <a:rPr lang="es-ES" dirty="0"/>
+              <a:t> </a:t>
+            </a:r>
+            <a:r>
+              <a:rPr lang="es-ES" b="1" u="sng" dirty="0"/>
+              <a:t>Lista de candidatos</a:t>
+            </a:r>
+            <a:r>
+              <a:rPr lang="es-ES" dirty="0"/>
+              <a:t>: </a:t>
+            </a:r>
+            <a:r>
+              <a:rPr lang="es-ES" dirty="0" smtClean="0"/>
+              <a:t>tiendas (distancias) y sector (interés).</a:t>
+            </a:r>
+            <a:endParaRPr lang="es-ES" dirty="0"/>
+          </a:p>
+          <a:p>
+            <a:pPr>
+              <a:buFont typeface="Arial" panose="020B0604020202020204" pitchFamily="34" charset="0"/>
+              <a:buChar char="•"/>
+            </a:pPr>
+            <a:r>
+              <a:rPr lang="es-ES" b="1" dirty="0"/>
+              <a:t> </a:t>
+            </a:r>
+            <a:r>
+              <a:rPr lang="es-ES" b="1" u="sng" dirty="0"/>
+              <a:t>Función solución</a:t>
+            </a:r>
+            <a:r>
+              <a:rPr lang="es-ES" dirty="0"/>
+              <a:t>: cuando el conjunto de candidatos se encuentra vacío se tiene la solución al problema.</a:t>
+            </a:r>
+          </a:p>
+          <a:p>
+            <a:pPr>
+              <a:buFont typeface="Arial" panose="020B0604020202020204" pitchFamily="34" charset="0"/>
+              <a:buChar char="•"/>
+            </a:pPr>
+            <a:r>
+              <a:rPr lang="es-ES" b="1" dirty="0"/>
+              <a:t> </a:t>
+            </a:r>
+            <a:r>
+              <a:rPr lang="es-ES" b="1" u="sng" dirty="0"/>
+              <a:t>Función selección</a:t>
+            </a:r>
+            <a:r>
+              <a:rPr lang="es-ES" dirty="0"/>
+              <a:t>: se escoge la </a:t>
+            </a:r>
+            <a:r>
+              <a:rPr lang="es-ES" dirty="0" smtClean="0"/>
+              <a:t>tienda </a:t>
+            </a:r>
+            <a:r>
+              <a:rPr lang="es-ES" dirty="0"/>
+              <a:t>con menor distancia potencial y el </a:t>
+            </a:r>
+            <a:r>
+              <a:rPr lang="es-ES" dirty="0" smtClean="0"/>
+              <a:t>sector </a:t>
+            </a:r>
+            <a:r>
+              <a:rPr lang="es-ES" dirty="0"/>
+              <a:t>con mayor flujo potencial.</a:t>
+            </a:r>
+          </a:p>
+          <a:p>
+            <a:pPr>
+              <a:buFont typeface="Arial" panose="020B0604020202020204" pitchFamily="34" charset="0"/>
+              <a:buChar char="•"/>
+            </a:pPr>
+            <a:r>
+              <a:rPr lang="es-ES" b="1" dirty="0"/>
+              <a:t> </a:t>
+            </a:r>
+            <a:r>
+              <a:rPr lang="es-ES" b="1" u="sng" dirty="0"/>
+              <a:t>Función de factibilidad</a:t>
+            </a:r>
+            <a:r>
+              <a:rPr lang="es-ES" dirty="0"/>
+              <a:t>: en este caso siempre se da la factibilidad.</a:t>
+            </a:r>
+          </a:p>
+          <a:p>
+            <a:pPr>
+              <a:buFont typeface="Arial" panose="020B0604020202020204" pitchFamily="34" charset="0"/>
+              <a:buChar char="•"/>
+            </a:pPr>
+            <a:r>
+              <a:rPr lang="es-ES" b="1" dirty="0"/>
+              <a:t> </a:t>
+            </a:r>
+            <a:r>
+              <a:rPr lang="es-ES" b="1" u="sng" dirty="0"/>
+              <a:t>Función objetivo</a:t>
+            </a:r>
+            <a:r>
+              <a:rPr lang="es-ES" dirty="0"/>
+              <a:t>: asignar a </a:t>
+            </a:r>
+            <a:r>
+              <a:rPr lang="es-ES" dirty="0" smtClean="0"/>
+              <a:t>sectores con mayor interés a tiendas </a:t>
+            </a:r>
+            <a:r>
+              <a:rPr lang="es-ES" dirty="0"/>
+              <a:t>con la mínima distancia.</a:t>
+            </a:r>
+          </a:p>
+          <a:p>
+            <a:endParaRPr lang="es-ES" dirty="0" smtClean="0"/>
+          </a:p>
+          <a:p>
+            <a:endParaRPr lang="es-ES" dirty="0" smtClean="0"/>
+          </a:p>
+        </p:txBody>
+      </p:sp>
+    </p:spTree>
+    <p:extLst>
+      <p:ext uri="{BB962C8B-B14F-4D97-AF65-F5344CB8AC3E}">
+        <p14:creationId xmlns:p14="http://schemas.microsoft.com/office/powerpoint/2010/main" val="3074671627"/>
+      </p:ext>
+    </p:extLst>
+  </p:cSld>
+  <p:clrMapOvr>
+    <a:masterClrMapping/>
+  </p:clrMapOvr>
+  <p:timing>
+    <p:tnLst>
+      <p:par>
+        <p:cTn id="1" dur="indefinite" restart="never" nodeType="tmRoot"/>
+      </p:par>
+    </p:tnLst>
+  </p:timing>
+</p:sld>
+</file>
+
+<file path=ppt/slides/slide15.xml><?xml version="1.0" encoding="utf-8"?>
+<p:sld xmlns:a="http://schemas.openxmlformats.org/drawingml/2006/main" xmlns:r="http://schemas.openxmlformats.org/officeDocument/2006/relationships" xmlns:p="http://schemas.openxmlformats.org/presentationml/2006/main">
+  <p:cSld>
+    <p:spTree>
+      <p:nvGrpSpPr>
+        <p:cNvPr id="1" name=""/>
+        <p:cNvGrpSpPr/>
+        <p:nvPr/>
+      </p:nvGrpSpPr>
+      <p:grpSpPr>
+        <a:xfrm>
+          <a:off x="0" y="0"/>
+          <a:ext cx="0" cy="0"/>
+          <a:chOff x="0" y="0"/>
+          <a:chExt cx="0" cy="0"/>
+        </a:xfrm>
+      </p:grpSpPr>
+      <p:sp>
+        <p:nvSpPr>
+          <p:cNvPr id="2" name="Título 1"/>
+          <p:cNvSpPr>
+            <a:spLocks noGrp="1"/>
+          </p:cNvSpPr>
+          <p:nvPr>
+            <p:ph type="title"/>
+          </p:nvPr>
+        </p:nvSpPr>
+        <p:spPr/>
+        <p:txBody>
+          <a:bodyPr/>
+          <a:lstStyle/>
+          <a:p>
+            <a:r>
+              <a:rPr lang="es-ES" dirty="0" smtClean="0"/>
+              <a:t>Orden de eficiencia teórica</a:t>
+            </a:r>
+            <a:endParaRPr lang="es-ES" dirty="0"/>
+          </a:p>
+        </p:txBody>
+      </p:sp>
+      <p:sp>
+        <p:nvSpPr>
+          <p:cNvPr id="3" name="Marcador de contenido 2"/>
+          <p:cNvSpPr>
+            <a:spLocks noGrp="1"/>
+          </p:cNvSpPr>
+          <p:nvPr>
+            <p:ph idx="1"/>
+          </p:nvPr>
+        </p:nvSpPr>
+        <p:spPr/>
+        <p:txBody>
+          <a:bodyPr/>
+          <a:lstStyle/>
+          <a:p>
+            <a:endParaRPr lang="es-ES" dirty="0" smtClean="0"/>
+          </a:p>
+          <a:p>
+            <a:r>
+              <a:rPr lang="es-ES" dirty="0" smtClean="0"/>
+              <a:t>Si </a:t>
+            </a:r>
+            <a:r>
+              <a:rPr lang="es-ES" dirty="0"/>
+              <a:t>n</a:t>
+            </a:r>
+            <a:r>
+              <a:rPr lang="es-ES" dirty="0" smtClean="0"/>
+              <a:t> </a:t>
+            </a:r>
+            <a:r>
+              <a:rPr lang="es-ES" dirty="0" smtClean="0"/>
+              <a:t>es el número de habitaciones y oficinistas el algoritmo tiene una eficiencia de </a:t>
+            </a:r>
+            <a:r>
+              <a:rPr lang="es-ES" dirty="0" smtClean="0"/>
+              <a:t>O(n</a:t>
+            </a:r>
+            <a:r>
+              <a:rPr lang="es-ES" baseline="30000" dirty="0" smtClean="0"/>
+              <a:t>2</a:t>
+            </a:r>
+            <a:r>
+              <a:rPr lang="es-ES" dirty="0" smtClean="0"/>
+              <a:t>).</a:t>
+            </a:r>
+          </a:p>
+          <a:p>
+            <a:endParaRPr lang="es-ES" dirty="0" smtClean="0"/>
+          </a:p>
+          <a:p>
+            <a:r>
+              <a:rPr lang="es-ES" dirty="0" smtClean="0"/>
+              <a:t>Esto es debido a que el algoritmo tiene n etapas, en las que se elige la habitación de mínima distancia potencial y al oficinista con máximo flujo potencial en cada etapa. Esta elección de habitación y oficinista requiere recorrer dos vectores de tamaño n, buscando el mínimo y el máximo respectivamente, por lo que la eficiencia es </a:t>
+            </a:r>
+            <a:r>
+              <a:rPr lang="es-ES" dirty="0" smtClean="0"/>
+              <a:t>O(n</a:t>
+            </a:r>
+            <a:r>
+              <a:rPr lang="es-ES" baseline="30000" dirty="0" smtClean="0"/>
+              <a:t>2</a:t>
+            </a:r>
+            <a:r>
+              <a:rPr lang="es-ES" dirty="0" smtClean="0"/>
+              <a:t>).</a:t>
             </a:r>
             <a:endParaRPr lang="es-ES" dirty="0"/>
           </a:p>
@@ -5675,6 +6737,117 @@
     <p:extLst>
       <p:ext uri="{BB962C8B-B14F-4D97-AF65-F5344CB8AC3E}">
         <p14:creationId xmlns:p14="http://schemas.microsoft.com/office/powerpoint/2010/main" val="694315504"/>
+      </p:ext>
+    </p:extLst>
+  </p:cSld>
+  <p:clrMapOvr>
+    <a:masterClrMapping/>
+  </p:clrMapOvr>
+  <p:timing>
+    <p:tnLst>
+      <p:par>
+        <p:cTn id="1" dur="indefinite" restart="never" nodeType="tmRoot"/>
+      </p:par>
+    </p:tnLst>
+  </p:timing>
+</p:sld>
+</file>
+
+<file path=ppt/slides/slide16.xml><?xml version="1.0" encoding="utf-8"?>
+<p:sld xmlns:a="http://schemas.openxmlformats.org/drawingml/2006/main" xmlns:r="http://schemas.openxmlformats.org/officeDocument/2006/relationships" xmlns:p="http://schemas.openxmlformats.org/presentationml/2006/main">
+  <p:cSld>
+    <p:spTree>
+      <p:nvGrpSpPr>
+        <p:cNvPr id="1" name=""/>
+        <p:cNvGrpSpPr/>
+        <p:nvPr/>
+      </p:nvGrpSpPr>
+      <p:grpSpPr>
+        <a:xfrm>
+          <a:off x="0" y="0"/>
+          <a:ext cx="0" cy="0"/>
+          <a:chOff x="0" y="0"/>
+          <a:chExt cx="0" cy="0"/>
+        </a:xfrm>
+      </p:grpSpPr>
+      <p:sp>
+        <p:nvSpPr>
+          <p:cNvPr id="2" name="Título 1"/>
+          <p:cNvSpPr>
+            <a:spLocks noGrp="1"/>
+          </p:cNvSpPr>
+          <p:nvPr>
+            <p:ph type="title"/>
+          </p:nvPr>
+        </p:nvSpPr>
+        <p:spPr>
+          <a:xfrm>
+            <a:off x="1097280" y="248503"/>
+            <a:ext cx="10058400" cy="1450757"/>
+          </a:xfrm>
+        </p:spPr>
+        <p:txBody>
+          <a:bodyPr/>
+          <a:lstStyle/>
+          <a:p>
+            <a:r>
+              <a:rPr lang="es-ES" dirty="0" smtClean="0"/>
+              <a:t>Orden de eficiencia teórica</a:t>
+            </a:r>
+            <a:endParaRPr lang="es-ES" dirty="0"/>
+          </a:p>
+        </p:txBody>
+      </p:sp>
+      <p:pic>
+        <p:nvPicPr>
+          <p:cNvPr id="5" name="Imagen 4"/>
+          <p:cNvPicPr>
+            <a:picLocks noChangeAspect="1"/>
+          </p:cNvPicPr>
+          <p:nvPr/>
+        </p:nvPicPr>
+        <p:blipFill rotWithShape="1">
+          <a:blip r:embed="rId2"/>
+          <a:srcRect l="30565" t="77232" r="36977" b="9058"/>
+          <a:stretch/>
+        </p:blipFill>
+        <p:spPr>
+          <a:xfrm>
+            <a:off x="2541720" y="4667942"/>
+            <a:ext cx="5935851" cy="1410346"/>
+          </a:xfrm>
+          <a:prstGeom prst="rect">
+            <a:avLst/>
+          </a:prstGeom>
+        </p:spPr>
+      </p:pic>
+      <p:pic>
+        <p:nvPicPr>
+          <p:cNvPr id="6" name="Imagen 5"/>
+          <p:cNvPicPr>
+            <a:picLocks noChangeAspect="1"/>
+          </p:cNvPicPr>
+          <p:nvPr/>
+        </p:nvPicPr>
+        <p:blipFill rotWithShape="1">
+          <a:blip r:embed="rId2"/>
+          <a:srcRect l="30565" t="24073" r="36977" b="48657"/>
+          <a:stretch/>
+        </p:blipFill>
+        <p:spPr>
+          <a:xfrm>
+            <a:off x="2541720" y="1862749"/>
+            <a:ext cx="5935851" cy="2805193"/>
+          </a:xfrm>
+          <a:prstGeom prst="rect">
+            <a:avLst/>
+          </a:prstGeom>
+        </p:spPr>
+      </p:pic>
+    </p:spTree>
+    <p:extLst>
+      <p:ext uri="{BB962C8B-B14F-4D97-AF65-F5344CB8AC3E}">
+        <p14:creationId xmlns:p14="http://schemas.microsoft.com/office/powerpoint/2010/main" val="3110642821"/>
       </p:ext>
     </p:extLst>
   </p:cSld>
@@ -5749,27 +6922,49 @@
             <a:endParaRPr lang="es-ES" dirty="0" smtClean="0"/>
           </a:p>
           <a:p>
+            <a:pPr marL="0" indent="0">
+              <a:buNone/>
+            </a:pPr>
             <a:r>
               <a:rPr lang="es-ES" dirty="0" smtClean="0"/>
               <a:t>El </a:t>
             </a:r>
             <a:r>
+              <a:rPr lang="es-ES" dirty="0" smtClean="0"/>
+              <a:t>problema P, está </a:t>
+            </a:r>
+            <a:r>
               <a:rPr lang="es-ES" dirty="0"/>
-              <a:t>problema, P esta basado en el Problema de </a:t>
+              <a:t>basado en el Problema de </a:t>
             </a:r>
             <a:r>
               <a:rPr lang="es-ES" dirty="0" smtClean="0"/>
-              <a:t>Asignación Cuadrática</a:t>
+              <a:t>Asignación </a:t>
+            </a:r>
+            <a:r>
+              <a:rPr lang="es-ES" dirty="0" smtClean="0"/>
+              <a:t>Cuadrática. </a:t>
+            </a:r>
+          </a:p>
+          <a:p>
+            <a:pPr marL="0" indent="0">
+              <a:buNone/>
+            </a:pPr>
+            <a:r>
+              <a:rPr lang="es-ES" dirty="0" smtClean="0"/>
+              <a:t>Nuestro ejemplo consiste </a:t>
             </a:r>
             <a:r>
               <a:rPr lang="es-ES" dirty="0"/>
-              <a:t>, consiste en asignar</a:t>
-            </a:r>
-          </a:p>
-          <a:p>
+              <a:t>en </a:t>
+            </a:r>
+            <a:r>
+              <a:rPr lang="es-ES" dirty="0" smtClean="0"/>
+              <a:t>asignar a </a:t>
+            </a:r>
             <a:r>
               <a:rPr lang="es-ES" dirty="0"/>
-              <a:t>a cada </a:t>
+              <a:t>cada </a:t>
             </a:r>
             <a:r>
               <a:rPr lang="es-ES" dirty="0" smtClean="0"/>
@@ -5793,13 +6988,15 @@
             </a:r>
             <a:r>
               <a:rPr lang="es-ES" dirty="0"/>
-              <a:t>de un grupo de habitaciones de</a:t>
-            </a:r>
-          </a:p>
-          <a:p>
+              <a:t>de un grupo de habitaciones </a:t>
+            </a:r>
+            <a:r>
+              <a:rPr lang="es-ES" dirty="0" smtClean="0"/>
+              <a:t>de forma </a:t>
+            </a:r>
             <a:r>
               <a:rPr lang="es-ES" dirty="0"/>
-              <a:t>forma que se minimice el coste de asignar a cada </a:t>
+              <a:t>que se minimice el coste de asignar a cada </a:t>
             </a:r>
             <a:r>
               <a:rPr lang="es-ES" dirty="0" smtClean="0"/>
@@ -5931,7 +7128,19 @@
           <a:p>
             <a:r>
               <a:rPr lang="es-ES" dirty="0" smtClean="0"/>
-              <a:t>Matriz de distancias                                                                  Matriz de flujos</a:t>
+              <a:t>      Matriz </a:t>
+            </a:r>
+            <a:r>
+              <a:rPr lang="es-ES" dirty="0" smtClean="0"/>
+              <a:t>de distancias                                                                 </a:t>
+            </a:r>
+            <a:r>
+              <a:rPr lang="es-ES" dirty="0" smtClean="0"/>
+              <a:t>          Matriz </a:t>
+            </a:r>
+            <a:r>
+              <a:rPr lang="es-ES" dirty="0" smtClean="0"/>
+              <a:t>de flujos</a:t>
             </a:r>
           </a:p>
           <a:p>
@@ -5948,13 +7157,13 @@
           <p:nvPr>
             <p:extLst>
               <p:ext uri="{D42A27DB-BD31-4B8C-83A1-F6EECF244321}">
-                <p14:modId xmlns:p14="http://schemas.microsoft.com/office/powerpoint/2010/main" val="2312418513"/>
+                <p14:modId xmlns:p14="http://schemas.microsoft.com/office/powerpoint/2010/main" val="653750548"/>
               </p:ext>
             </p:extLst>
           </p:nvPr>
         </p:nvGraphicFramePr>
         <p:xfrm>
-          <a:off x="736600" y="2607733"/>
+          <a:off x="983736" y="2570481"/>
           <a:ext cx="3598335" cy="1984587"/>
         </p:xfrm>
         <a:graphic>
@@ -6342,7 +7551,7 @@
         </p:nvSpPr>
         <p:spPr>
           <a:xfrm>
-            <a:off x="575733" y="2556934"/>
+            <a:off x="806393" y="2550528"/>
             <a:ext cx="3581400" cy="1998134"/>
           </a:xfrm>
           <a:prstGeom prst="bracketPair">
@@ -6381,14 +7590,14 @@
           <p:nvPr>
             <p:extLst>
               <p:ext uri="{D42A27DB-BD31-4B8C-83A1-F6EECF244321}">
-                <p14:modId xmlns:p14="http://schemas.microsoft.com/office/powerpoint/2010/main" val="1863086293"/>
+                <p14:modId xmlns:p14="http://schemas.microsoft.com/office/powerpoint/2010/main" val="1326279049"/>
               </p:ext>
             </p:extLst>
           </p:nvPr>
         </p:nvGraphicFramePr>
         <p:xfrm>
-          <a:off x="6620934" y="2556934"/>
-          <a:ext cx="3479800" cy="1947336"/>
+          <a:off x="7065776" y="2550528"/>
+          <a:ext cx="3479800" cy="1942302"/>
         </p:xfrm>
         <a:graphic>
           <a:graphicData uri="http://schemas.openxmlformats.org/drawingml/2006/table">
@@ -6403,7 +7612,7 @@
                 <a:gridCol w="695960"/>
                 <a:gridCol w="695960"/>
               </a:tblGrid>
-              <a:tr h="385188">
+              <a:tr h="380154">
                 <a:tc>
                   <a:txBody>
                     <a:bodyPr/>
@@ -6775,7 +7984,7 @@
         </p:nvSpPr>
         <p:spPr>
           <a:xfrm>
-            <a:off x="6460066" y="2506135"/>
+            <a:off x="6806056" y="2550528"/>
             <a:ext cx="3581400" cy="1998134"/>
           </a:xfrm>
           <a:prstGeom prst="bracketPair">
@@ -6813,7 +8022,7 @@
         </p:nvSpPr>
         <p:spPr>
           <a:xfrm>
-            <a:off x="668867" y="5081602"/>
+            <a:off x="806393" y="5081602"/>
             <a:ext cx="4411134" cy="369332"/>
           </a:xfrm>
           <a:prstGeom prst="rect">
@@ -6843,7 +8052,7 @@
         </p:nvSpPr>
         <p:spPr>
           <a:xfrm>
-            <a:off x="6324982" y="5081602"/>
+            <a:off x="6908697" y="5068790"/>
             <a:ext cx="3851567" cy="369332"/>
           </a:xfrm>
           <a:prstGeom prst="rect">
@@ -6939,7 +8148,12 @@
             <p:ph idx="1"/>
           </p:nvPr>
         </p:nvSpPr>
-        <p:spPr/>
+        <p:spPr>
+          <a:xfrm>
+            <a:off x="1097280" y="2076393"/>
+            <a:ext cx="10058400" cy="4023360"/>
+          </a:xfrm>
+        </p:spPr>
         <p:txBody>
           <a:bodyPr/>
           <a:lstStyle/>
@@ -6949,8 +8163,16 @@
               <a:buChar char="•"/>
             </a:pPr>
             <a:r>
+              <a:rPr lang="es-ES" dirty="0"/>
+              <a:t> </a:t>
+            </a:r>
+            <a:r>
               <a:rPr lang="es-ES" b="1" u="sng" dirty="0" smtClean="0"/>
-              <a:t> Lista de candidatos</a:t>
+              <a:t>Lista </a:t>
+            </a:r>
+            <a:r>
+              <a:rPr lang="es-ES" b="1" u="sng" dirty="0" smtClean="0"/>
+              <a:t>de candidatos</a:t>
             </a:r>
             <a:r>
               <a:rPr lang="es-ES" dirty="0" smtClean="0"/>
@@ -6963,8 +8185,16 @@
               <a:buChar char="•"/>
             </a:pPr>
             <a:r>
+              <a:rPr lang="es-ES" b="1" dirty="0"/>
+              <a:t> </a:t>
+            </a:r>
+            <a:r>
               <a:rPr lang="es-ES" b="1" u="sng" dirty="0" smtClean="0"/>
-              <a:t>Función solución</a:t>
+              <a:t>Función </a:t>
+            </a:r>
+            <a:r>
+              <a:rPr lang="es-ES" b="1" u="sng" dirty="0" smtClean="0"/>
+              <a:t>solución</a:t>
             </a:r>
             <a:r>
               <a:rPr lang="es-ES" dirty="0" smtClean="0"/>
@@ -6977,8 +8207,16 @@
               <a:buChar char="•"/>
             </a:pPr>
             <a:r>
+              <a:rPr lang="es-ES" b="1" dirty="0" smtClean="0"/>
+              <a:t> </a:t>
+            </a:r>
+            <a:r>
               <a:rPr lang="es-ES" b="1" u="sng" dirty="0" smtClean="0"/>
-              <a:t>Función selección</a:t>
+              <a:t>Función </a:t>
+            </a:r>
+            <a:r>
+              <a:rPr lang="es-ES" b="1" u="sng" dirty="0" smtClean="0"/>
+              <a:t>selección</a:t>
             </a:r>
             <a:r>
               <a:rPr lang="es-ES" dirty="0" smtClean="0"/>
@@ -6991,8 +8229,16 @@
               <a:buChar char="•"/>
             </a:pPr>
             <a:r>
+              <a:rPr lang="es-ES" b="1" dirty="0" smtClean="0"/>
+              <a:t> </a:t>
+            </a:r>
+            <a:r>
               <a:rPr lang="es-ES" b="1" u="sng" dirty="0" smtClean="0"/>
-              <a:t>Función de factibilidad</a:t>
+              <a:t>Función </a:t>
+            </a:r>
+            <a:r>
+              <a:rPr lang="es-ES" b="1" u="sng" dirty="0" smtClean="0"/>
+              <a:t>de factibilidad</a:t>
             </a:r>
             <a:r>
               <a:rPr lang="es-ES" dirty="0" smtClean="0"/>
@@ -7000,9 +8246,21 @@
             </a:r>
           </a:p>
           <a:p>
+            <a:pPr>
+              <a:buFont typeface="Arial" panose="020B0604020202020204" pitchFamily="34" charset="0"/>
+              <a:buChar char="•"/>
+            </a:pPr>
+            <a:r>
+              <a:rPr lang="es-ES" b="1" dirty="0" smtClean="0"/>
+              <a:t> </a:t>
+            </a:r>
             <a:r>
               <a:rPr lang="es-ES" b="1" u="sng" dirty="0" smtClean="0"/>
-              <a:t>Función objetivo</a:t>
+              <a:t>Función </a:t>
+            </a:r>
+            <a:r>
+              <a:rPr lang="es-ES" b="1" u="sng" dirty="0" smtClean="0"/>
+              <a:t>objetivo</a:t>
             </a:r>
             <a:r>
               <a:rPr lang="es-ES" dirty="0" smtClean="0"/>
@@ -7117,7 +8375,7 @@
         </p:blipFill>
         <p:spPr>
           <a:xfrm>
-            <a:off x="2226964" y="1846263"/>
+            <a:off x="2227281" y="1887453"/>
             <a:ext cx="7798397" cy="4022725"/>
           </a:xfrm>
           <a:prstGeom prst="rect">
@@ -7199,6 +8457,1733 @@
             <p:ph idx="1"/>
             <p:extLst>
               <p:ext uri="{D42A27DB-BD31-4B8C-83A1-F6EECF244321}">
+                <p14:modId xmlns:p14="http://schemas.microsoft.com/office/powerpoint/2010/main" val="3930081183"/>
+              </p:ext>
+            </p:extLst>
+          </p:nvPr>
+        </p:nvGraphicFramePr>
+        <p:xfrm>
+          <a:off x="1436545" y="4811586"/>
+          <a:ext cx="3758815" cy="736600"/>
+        </p:xfrm>
+        <a:graphic>
+          <a:graphicData uri="http://schemas.openxmlformats.org/drawingml/2006/table">
+            <a:tbl>
+              <a:tblPr firstRow="1" bandRow="1">
+                <a:tableStyleId>{5C22544A-7EE6-4342-B048-85BDC9FD1C3A}</a:tableStyleId>
+              </a:tblPr>
+              <a:tblGrid>
+                <a:gridCol w="751763"/>
+                <a:gridCol w="751763"/>
+                <a:gridCol w="751763"/>
+                <a:gridCol w="751763"/>
+                <a:gridCol w="751763"/>
+              </a:tblGrid>
+              <a:tr h="354436">
+                <a:tc>
+                  <a:txBody>
+                    <a:bodyPr/>
+                    <a:lstStyle/>
+                    <a:p>
+                      <a:pPr algn="ctr"/>
+                      <a:r>
+                        <a:rPr lang="es-ES" dirty="0" smtClean="0"/>
+                        <a:t>1</a:t>
+                      </a:r>
+                      <a:endParaRPr lang="es-ES" dirty="0"/>
+                    </a:p>
+                  </a:txBody>
+                  <a:tcPr/>
+                </a:tc>
+                <a:tc>
+                  <a:txBody>
+                    <a:bodyPr/>
+                    <a:lstStyle/>
+                    <a:p>
+                      <a:pPr algn="ctr"/>
+                      <a:r>
+                        <a:rPr lang="es-ES" dirty="0" smtClean="0"/>
+                        <a:t>2</a:t>
+                      </a:r>
+                      <a:endParaRPr lang="es-ES" dirty="0"/>
+                    </a:p>
+                  </a:txBody>
+                  <a:tcPr/>
+                </a:tc>
+                <a:tc>
+                  <a:txBody>
+                    <a:bodyPr/>
+                    <a:lstStyle/>
+                    <a:p>
+                      <a:pPr algn="ctr"/>
+                      <a:r>
+                        <a:rPr lang="es-ES" dirty="0" smtClean="0"/>
+                        <a:t>3</a:t>
+                      </a:r>
+                      <a:endParaRPr lang="es-ES" dirty="0"/>
+                    </a:p>
+                  </a:txBody>
+                  <a:tcPr/>
+                </a:tc>
+                <a:tc>
+                  <a:txBody>
+                    <a:bodyPr/>
+                    <a:lstStyle/>
+                    <a:p>
+                      <a:pPr algn="ctr"/>
+                      <a:r>
+                        <a:rPr lang="es-ES" dirty="0" smtClean="0"/>
+                        <a:t>4</a:t>
+                      </a:r>
+                      <a:endParaRPr lang="es-ES" dirty="0"/>
+                    </a:p>
+                  </a:txBody>
+                  <a:tcPr/>
+                </a:tc>
+                <a:tc>
+                  <a:txBody>
+                    <a:bodyPr/>
+                    <a:lstStyle/>
+                    <a:p>
+                      <a:pPr algn="ctr"/>
+                      <a:r>
+                        <a:rPr lang="es-ES" dirty="0" smtClean="0"/>
+                        <a:t>5</a:t>
+                      </a:r>
+                      <a:endParaRPr lang="es-ES" dirty="0"/>
+                    </a:p>
+                  </a:txBody>
+                  <a:tcPr/>
+                </a:tc>
+              </a:tr>
+              <a:tr h="370840">
+                <a:tc>
+                  <a:txBody>
+                    <a:bodyPr/>
+                    <a:lstStyle/>
+                    <a:p>
+                      <a:pPr algn="ctr"/>
+                      <a:r>
+                        <a:rPr lang="es-ES" dirty="0" smtClean="0"/>
+                        <a:t>44</a:t>
+                      </a:r>
+                      <a:endParaRPr lang="es-ES" dirty="0"/>
+                    </a:p>
+                  </a:txBody>
+                  <a:tcPr/>
+                </a:tc>
+                <a:tc>
+                  <a:txBody>
+                    <a:bodyPr/>
+                    <a:lstStyle/>
+                    <a:p>
+                      <a:pPr algn="ctr"/>
+                      <a:r>
+                        <a:rPr lang="es-ES" dirty="0" smtClean="0"/>
+                        <a:t>80</a:t>
+                      </a:r>
+                      <a:endParaRPr lang="es-ES" dirty="0"/>
+                    </a:p>
+                  </a:txBody>
+                  <a:tcPr/>
+                </a:tc>
+                <a:tc>
+                  <a:txBody>
+                    <a:bodyPr/>
+                    <a:lstStyle/>
+                    <a:p>
+                      <a:pPr algn="ctr"/>
+                      <a:r>
+                        <a:rPr lang="es-ES" dirty="0" smtClean="0"/>
+                        <a:t>160</a:t>
+                      </a:r>
+                      <a:endParaRPr lang="es-ES" dirty="0"/>
+                    </a:p>
+                  </a:txBody>
+                  <a:tcPr/>
+                </a:tc>
+                <a:tc>
+                  <a:txBody>
+                    <a:bodyPr/>
+                    <a:lstStyle/>
+                    <a:p>
+                      <a:pPr algn="ctr"/>
+                      <a:r>
+                        <a:rPr lang="es-ES" dirty="0" smtClean="0"/>
+                        <a:t>40</a:t>
+                      </a:r>
+                      <a:endParaRPr lang="es-ES" dirty="0"/>
+                    </a:p>
+                  </a:txBody>
+                  <a:tcPr/>
+                </a:tc>
+                <a:tc>
+                  <a:txBody>
+                    <a:bodyPr/>
+                    <a:lstStyle/>
+                    <a:p>
+                      <a:pPr algn="ctr"/>
+                      <a:r>
+                        <a:rPr lang="es-ES" dirty="0" smtClean="0"/>
+                        <a:t>241</a:t>
+                      </a:r>
+                      <a:endParaRPr lang="es-ES" dirty="0"/>
+                    </a:p>
+                  </a:txBody>
+                  <a:tcPr/>
+                </a:tc>
+              </a:tr>
+            </a:tbl>
+          </a:graphicData>
+        </a:graphic>
+      </p:graphicFrame>
+      <p:graphicFrame>
+        <p:nvGraphicFramePr>
+          <p:cNvPr id="5" name="Marcador de contenido 3"/>
+          <p:cNvGraphicFramePr>
+            <a:graphicFrameLocks/>
+          </p:cNvGraphicFramePr>
+          <p:nvPr>
+            <p:extLst>
+              <p:ext uri="{D42A27DB-BD31-4B8C-83A1-F6EECF244321}">
+                <p14:modId xmlns:p14="http://schemas.microsoft.com/office/powerpoint/2010/main" val="2928782400"/>
+              </p:ext>
+            </p:extLst>
+          </p:nvPr>
+        </p:nvGraphicFramePr>
+        <p:xfrm>
+          <a:off x="6298929" y="4788773"/>
+          <a:ext cx="3758815" cy="741680"/>
+        </p:xfrm>
+        <a:graphic>
+          <a:graphicData uri="http://schemas.openxmlformats.org/drawingml/2006/table">
+            <a:tbl>
+              <a:tblPr firstRow="1" bandRow="1">
+                <a:tableStyleId>{5C22544A-7EE6-4342-B048-85BDC9FD1C3A}</a:tableStyleId>
+              </a:tblPr>
+              <a:tblGrid>
+                <a:gridCol w="751763"/>
+                <a:gridCol w="751763"/>
+                <a:gridCol w="751763"/>
+                <a:gridCol w="751763"/>
+                <a:gridCol w="751763"/>
+              </a:tblGrid>
+              <a:tr h="370840">
+                <a:tc>
+                  <a:txBody>
+                    <a:bodyPr/>
+                    <a:lstStyle/>
+                    <a:p>
+                      <a:pPr algn="ctr"/>
+                      <a:r>
+                        <a:rPr lang="es-ES" dirty="0" smtClean="0"/>
+                        <a:t>1</a:t>
+                      </a:r>
+                      <a:endParaRPr lang="es-ES" dirty="0"/>
+                    </a:p>
+                  </a:txBody>
+                  <a:tcPr/>
+                </a:tc>
+                <a:tc>
+                  <a:txBody>
+                    <a:bodyPr/>
+                    <a:lstStyle/>
+                    <a:p>
+                      <a:pPr algn="ctr"/>
+                      <a:r>
+                        <a:rPr lang="es-ES" dirty="0" smtClean="0"/>
+                        <a:t>2</a:t>
+                      </a:r>
+                      <a:endParaRPr lang="es-ES" dirty="0"/>
+                    </a:p>
+                  </a:txBody>
+                  <a:tcPr/>
+                </a:tc>
+                <a:tc>
+                  <a:txBody>
+                    <a:bodyPr/>
+                    <a:lstStyle/>
+                    <a:p>
+                      <a:pPr algn="ctr"/>
+                      <a:r>
+                        <a:rPr lang="es-ES" dirty="0" smtClean="0"/>
+                        <a:t>3</a:t>
+                      </a:r>
+                      <a:endParaRPr lang="es-ES" dirty="0"/>
+                    </a:p>
+                  </a:txBody>
+                  <a:tcPr/>
+                </a:tc>
+                <a:tc>
+                  <a:txBody>
+                    <a:bodyPr/>
+                    <a:lstStyle/>
+                    <a:p>
+                      <a:pPr algn="ctr"/>
+                      <a:r>
+                        <a:rPr lang="es-ES" dirty="0" smtClean="0"/>
+                        <a:t>4</a:t>
+                      </a:r>
+                      <a:endParaRPr lang="es-ES" dirty="0"/>
+                    </a:p>
+                  </a:txBody>
+                  <a:tcPr/>
+                </a:tc>
+                <a:tc>
+                  <a:txBody>
+                    <a:bodyPr/>
+                    <a:lstStyle/>
+                    <a:p>
+                      <a:pPr algn="ctr"/>
+                      <a:r>
+                        <a:rPr lang="es-ES" dirty="0" smtClean="0"/>
+                        <a:t>5</a:t>
+                      </a:r>
+                      <a:endParaRPr lang="es-ES" dirty="0"/>
+                    </a:p>
+                  </a:txBody>
+                  <a:tcPr/>
+                </a:tc>
+              </a:tr>
+              <a:tr h="370840">
+                <a:tc>
+                  <a:txBody>
+                    <a:bodyPr/>
+                    <a:lstStyle/>
+                    <a:p>
+                      <a:pPr algn="ctr"/>
+                      <a:r>
+                        <a:rPr lang="es-ES" dirty="0" smtClean="0"/>
+                        <a:t>16</a:t>
+                      </a:r>
+                      <a:endParaRPr lang="es-ES" dirty="0"/>
+                    </a:p>
+                  </a:txBody>
+                  <a:tcPr/>
+                </a:tc>
+                <a:tc>
+                  <a:txBody>
+                    <a:bodyPr/>
+                    <a:lstStyle/>
+                    <a:p>
+                      <a:pPr algn="ctr"/>
+                      <a:r>
+                        <a:rPr lang="es-ES" dirty="0" smtClean="0"/>
+                        <a:t>24</a:t>
+                      </a:r>
+                      <a:endParaRPr lang="es-ES" dirty="0"/>
+                    </a:p>
+                  </a:txBody>
+                  <a:tcPr/>
+                </a:tc>
+                <a:tc>
+                  <a:txBody>
+                    <a:bodyPr/>
+                    <a:lstStyle/>
+                    <a:p>
+                      <a:pPr algn="ctr"/>
+                      <a:r>
+                        <a:rPr lang="es-ES" dirty="0" smtClean="0"/>
+                        <a:t>50</a:t>
+                      </a:r>
+                      <a:endParaRPr lang="es-ES" dirty="0"/>
+                    </a:p>
+                  </a:txBody>
+                  <a:tcPr/>
+                </a:tc>
+                <a:tc>
+                  <a:txBody>
+                    <a:bodyPr/>
+                    <a:lstStyle/>
+                    <a:p>
+                      <a:pPr algn="ctr"/>
+                      <a:r>
+                        <a:rPr lang="es-ES" dirty="0" smtClean="0"/>
+                        <a:t>78</a:t>
+                      </a:r>
+                      <a:endParaRPr lang="es-ES" dirty="0"/>
+                    </a:p>
+                  </a:txBody>
+                  <a:tcPr/>
+                </a:tc>
+                <a:tc>
+                  <a:txBody>
+                    <a:bodyPr/>
+                    <a:lstStyle/>
+                    <a:p>
+                      <a:pPr algn="ctr"/>
+                      <a:r>
+                        <a:rPr lang="es-ES" dirty="0" smtClean="0"/>
+                        <a:t>123</a:t>
+                      </a:r>
+                      <a:endParaRPr lang="es-ES" dirty="0"/>
+                    </a:p>
+                  </a:txBody>
+                  <a:tcPr/>
+                </a:tc>
+              </a:tr>
+            </a:tbl>
+          </a:graphicData>
+        </a:graphic>
+      </p:graphicFrame>
+      <p:sp>
+        <p:nvSpPr>
+          <p:cNvPr id="6" name="CuadroTexto 5"/>
+          <p:cNvSpPr txBox="1"/>
+          <p:nvPr/>
+        </p:nvSpPr>
+        <p:spPr>
+          <a:xfrm>
+            <a:off x="891334" y="4931491"/>
+            <a:ext cx="550333" cy="369332"/>
+          </a:xfrm>
+          <a:prstGeom prst="rect">
+            <a:avLst/>
+          </a:prstGeom>
+          <a:noFill/>
+        </p:spPr>
+        <p:txBody>
+          <a:bodyPr wrap="square" rtlCol="0">
+            <a:spAutoFit/>
+          </a:bodyPr>
+          <a:lstStyle/>
+          <a:p>
+            <a:r>
+              <a:rPr lang="es-ES" dirty="0" err="1" smtClean="0"/>
+              <a:t>d</a:t>
+            </a:r>
+            <a:r>
+              <a:rPr lang="es-ES" sz="1200" dirty="0" err="1" smtClean="0"/>
+              <a:t>p</a:t>
+            </a:r>
+            <a:endParaRPr lang="es-ES" sz="1200" dirty="0"/>
+          </a:p>
+        </p:txBody>
+      </p:sp>
+      <p:sp>
+        <p:nvSpPr>
+          <p:cNvPr id="7" name="CuadroTexto 6"/>
+          <p:cNvSpPr txBox="1"/>
+          <p:nvPr/>
+        </p:nvSpPr>
+        <p:spPr>
+          <a:xfrm>
+            <a:off x="5851313" y="4931491"/>
+            <a:ext cx="550333" cy="369332"/>
+          </a:xfrm>
+          <a:prstGeom prst="rect">
+            <a:avLst/>
+          </a:prstGeom>
+          <a:noFill/>
+        </p:spPr>
+        <p:txBody>
+          <a:bodyPr wrap="square" rtlCol="0">
+            <a:spAutoFit/>
+          </a:bodyPr>
+          <a:lstStyle/>
+          <a:p>
+            <a:r>
+              <a:rPr lang="es-ES" dirty="0" err="1"/>
+              <a:t>f</a:t>
+            </a:r>
+            <a:r>
+              <a:rPr lang="es-ES" sz="1200" dirty="0" err="1" smtClean="0"/>
+              <a:t>p</a:t>
+            </a:r>
+            <a:endParaRPr lang="es-ES" sz="1200" dirty="0"/>
+          </a:p>
+        </p:txBody>
+      </p:sp>
+      <p:graphicFrame>
+        <p:nvGraphicFramePr>
+          <p:cNvPr id="8" name="Tabla 7"/>
+          <p:cNvGraphicFramePr>
+            <a:graphicFrameLocks noGrp="1"/>
+          </p:cNvGraphicFramePr>
+          <p:nvPr>
+            <p:extLst>
+              <p:ext uri="{D42A27DB-BD31-4B8C-83A1-F6EECF244321}">
+                <p14:modId xmlns:p14="http://schemas.microsoft.com/office/powerpoint/2010/main" val="793911571"/>
+              </p:ext>
+            </p:extLst>
+          </p:nvPr>
+        </p:nvGraphicFramePr>
+        <p:xfrm>
+          <a:off x="1593336" y="2323346"/>
+          <a:ext cx="3598335" cy="1984587"/>
+        </p:xfrm>
+        <a:graphic>
+          <a:graphicData uri="http://schemas.openxmlformats.org/drawingml/2006/table">
+            <a:tbl>
+              <a:tblPr firstRow="1" bandRow="1">
+                <a:tableStyleId>{2D5ABB26-0587-4C30-8999-92F81FD0307C}</a:tableStyleId>
+              </a:tblPr>
+              <a:tblGrid>
+                <a:gridCol w="719667"/>
+                <a:gridCol w="719667"/>
+                <a:gridCol w="719667"/>
+                <a:gridCol w="719667"/>
+                <a:gridCol w="719667"/>
+              </a:tblGrid>
+              <a:tr h="392555">
+                <a:tc>
+                  <a:txBody>
+                    <a:bodyPr/>
+                    <a:lstStyle/>
+                    <a:p>
+                      <a:r>
+                        <a:rPr lang="es-ES" dirty="0" smtClean="0"/>
+                        <a:t>0</a:t>
+                      </a:r>
+                      <a:endParaRPr lang="es-ES" dirty="0"/>
+                    </a:p>
+                  </a:txBody>
+                  <a:tcPr/>
+                </a:tc>
+                <a:tc>
+                  <a:txBody>
+                    <a:bodyPr/>
+                    <a:lstStyle/>
+                    <a:p>
+                      <a:r>
+                        <a:rPr lang="es-ES" dirty="0" smtClean="0"/>
+                        <a:t>7</a:t>
+                      </a:r>
+                      <a:endParaRPr lang="es-ES" dirty="0"/>
+                    </a:p>
+                  </a:txBody>
+                  <a:tcPr/>
+                </a:tc>
+                <a:tc>
+                  <a:txBody>
+                    <a:bodyPr/>
+                    <a:lstStyle/>
+                    <a:p>
+                      <a:r>
+                        <a:rPr lang="es-ES" dirty="0" smtClean="0"/>
+                        <a:t>14</a:t>
+                      </a:r>
+                      <a:endParaRPr lang="es-ES" dirty="0"/>
+                    </a:p>
+                  </a:txBody>
+                  <a:tcPr/>
+                </a:tc>
+                <a:tc>
+                  <a:txBody>
+                    <a:bodyPr/>
+                    <a:lstStyle/>
+                    <a:p>
+                      <a:r>
+                        <a:rPr lang="es-ES" dirty="0" smtClean="0"/>
+                        <a:t>20</a:t>
+                      </a:r>
+                      <a:endParaRPr lang="es-ES" dirty="0"/>
+                    </a:p>
+                  </a:txBody>
+                  <a:tcPr/>
+                </a:tc>
+                <a:tc>
+                  <a:txBody>
+                    <a:bodyPr/>
+                    <a:lstStyle/>
+                    <a:p>
+                      <a:r>
+                        <a:rPr lang="es-ES" dirty="0" smtClean="0"/>
+                        <a:t>3</a:t>
+                      </a:r>
+                      <a:endParaRPr lang="es-ES" dirty="0"/>
+                    </a:p>
+                  </a:txBody>
+                  <a:tcPr/>
+                </a:tc>
+              </a:tr>
+              <a:tr h="398008">
+                <a:tc>
+                  <a:txBody>
+                    <a:bodyPr/>
+                    <a:lstStyle/>
+                    <a:p>
+                      <a:r>
+                        <a:rPr lang="es-ES" dirty="0" smtClean="0"/>
+                        <a:t>4</a:t>
+                      </a:r>
+                      <a:endParaRPr lang="es-ES" dirty="0"/>
+                    </a:p>
+                  </a:txBody>
+                  <a:tcPr/>
+                </a:tc>
+                <a:tc>
+                  <a:txBody>
+                    <a:bodyPr/>
+                    <a:lstStyle/>
+                    <a:p>
+                      <a:r>
+                        <a:rPr lang="es-ES" dirty="0" smtClean="0"/>
+                        <a:t>0</a:t>
+                      </a:r>
+                      <a:endParaRPr lang="es-ES" dirty="0"/>
+                    </a:p>
+                  </a:txBody>
+                  <a:tcPr/>
+                </a:tc>
+                <a:tc>
+                  <a:txBody>
+                    <a:bodyPr/>
+                    <a:lstStyle/>
+                    <a:p>
+                      <a:r>
+                        <a:rPr lang="es-ES" dirty="0" smtClean="0"/>
+                        <a:t>10</a:t>
+                      </a:r>
+                      <a:endParaRPr lang="es-ES" dirty="0"/>
+                    </a:p>
+                  </a:txBody>
+                  <a:tcPr/>
+                </a:tc>
+                <a:tc>
+                  <a:txBody>
+                    <a:bodyPr/>
+                    <a:lstStyle/>
+                    <a:p>
+                      <a:r>
+                        <a:rPr lang="es-ES" dirty="0" smtClean="0"/>
+                        <a:t>17</a:t>
+                      </a:r>
+                      <a:endParaRPr lang="es-ES" dirty="0"/>
+                    </a:p>
+                  </a:txBody>
+                  <a:tcPr/>
+                </a:tc>
+                <a:tc>
+                  <a:txBody>
+                    <a:bodyPr/>
+                    <a:lstStyle/>
+                    <a:p>
+                      <a:r>
+                        <a:rPr lang="es-ES" dirty="0" smtClean="0"/>
+                        <a:t>49</a:t>
+                      </a:r>
+                      <a:endParaRPr lang="es-ES" dirty="0"/>
+                    </a:p>
+                  </a:txBody>
+                  <a:tcPr/>
+                </a:tc>
+              </a:tr>
+              <a:tr h="398008">
+                <a:tc>
+                  <a:txBody>
+                    <a:bodyPr/>
+                    <a:lstStyle/>
+                    <a:p>
+                      <a:r>
+                        <a:rPr lang="es-ES" dirty="0" smtClean="0"/>
+                        <a:t>51</a:t>
+                      </a:r>
+                      <a:endParaRPr lang="es-ES" dirty="0"/>
+                    </a:p>
+                  </a:txBody>
+                  <a:tcPr/>
+                </a:tc>
+                <a:tc>
+                  <a:txBody>
+                    <a:bodyPr/>
+                    <a:lstStyle/>
+                    <a:p>
+                      <a:r>
+                        <a:rPr lang="es-ES" dirty="0" smtClean="0"/>
+                        <a:t>1</a:t>
+                      </a:r>
+                      <a:endParaRPr lang="es-ES" dirty="0"/>
+                    </a:p>
+                  </a:txBody>
+                  <a:tcPr/>
+                </a:tc>
+                <a:tc>
+                  <a:txBody>
+                    <a:bodyPr/>
+                    <a:lstStyle/>
+                    <a:p>
+                      <a:r>
+                        <a:rPr lang="es-ES" dirty="0" smtClean="0"/>
+                        <a:t>0</a:t>
+                      </a:r>
+                      <a:endParaRPr lang="es-ES" dirty="0"/>
+                    </a:p>
+                  </a:txBody>
+                  <a:tcPr/>
+                </a:tc>
+                <a:tc>
+                  <a:txBody>
+                    <a:bodyPr/>
+                    <a:lstStyle/>
+                    <a:p>
+                      <a:r>
+                        <a:rPr lang="es-ES" dirty="0" smtClean="0"/>
+                        <a:t>43</a:t>
+                      </a:r>
+                      <a:endParaRPr lang="es-ES" dirty="0"/>
+                    </a:p>
+                  </a:txBody>
+                  <a:tcPr/>
+                </a:tc>
+                <a:tc>
+                  <a:txBody>
+                    <a:bodyPr/>
+                    <a:lstStyle/>
+                    <a:p>
+                      <a:r>
+                        <a:rPr lang="es-ES" dirty="0" smtClean="0"/>
+                        <a:t>71</a:t>
+                      </a:r>
+                      <a:endParaRPr lang="es-ES" dirty="0"/>
+                    </a:p>
+                  </a:txBody>
+                  <a:tcPr/>
+                </a:tc>
+              </a:tr>
+              <a:tr h="398008">
+                <a:tc>
+                  <a:txBody>
+                    <a:bodyPr/>
+                    <a:lstStyle/>
+                    <a:p>
+                      <a:r>
+                        <a:rPr lang="es-ES" dirty="0" smtClean="0"/>
+                        <a:t>7</a:t>
+                      </a:r>
+                      <a:endParaRPr lang="es-ES" dirty="0"/>
+                    </a:p>
+                  </a:txBody>
+                  <a:tcPr/>
+                </a:tc>
+                <a:tc>
+                  <a:txBody>
+                    <a:bodyPr/>
+                    <a:lstStyle/>
+                    <a:p>
+                      <a:r>
+                        <a:rPr lang="es-ES" dirty="0" smtClean="0"/>
+                        <a:t>3</a:t>
+                      </a:r>
+                      <a:endParaRPr lang="es-ES" dirty="0"/>
+                    </a:p>
+                  </a:txBody>
+                  <a:tcPr/>
+                </a:tc>
+                <a:tc>
+                  <a:txBody>
+                    <a:bodyPr/>
+                    <a:lstStyle/>
+                    <a:p>
+                      <a:r>
+                        <a:rPr lang="es-ES" dirty="0" smtClean="0"/>
+                        <a:t>10</a:t>
+                      </a:r>
+                      <a:endParaRPr lang="es-ES" dirty="0"/>
+                    </a:p>
+                  </a:txBody>
+                  <a:tcPr/>
+                </a:tc>
+                <a:tc>
+                  <a:txBody>
+                    <a:bodyPr/>
+                    <a:lstStyle/>
+                    <a:p>
+                      <a:r>
+                        <a:rPr lang="es-ES" dirty="0" smtClean="0"/>
+                        <a:t>0</a:t>
+                      </a:r>
+                      <a:endParaRPr lang="es-ES" dirty="0"/>
+                    </a:p>
+                  </a:txBody>
+                  <a:tcPr/>
+                </a:tc>
+                <a:tc>
+                  <a:txBody>
+                    <a:bodyPr/>
+                    <a:lstStyle/>
+                    <a:p>
+                      <a:r>
+                        <a:rPr lang="es-ES" dirty="0" smtClean="0"/>
+                        <a:t>20</a:t>
+                      </a:r>
+                      <a:endParaRPr lang="es-ES" dirty="0"/>
+                    </a:p>
+                  </a:txBody>
+                  <a:tcPr/>
+                </a:tc>
+              </a:tr>
+              <a:tr h="398008">
+                <a:tc>
+                  <a:txBody>
+                    <a:bodyPr/>
+                    <a:lstStyle/>
+                    <a:p>
+                      <a:r>
+                        <a:rPr lang="es-ES" dirty="0" smtClean="0"/>
+                        <a:t>90</a:t>
+                      </a:r>
+                      <a:endParaRPr lang="es-ES" dirty="0"/>
+                    </a:p>
+                  </a:txBody>
+                  <a:tcPr/>
+                </a:tc>
+                <a:tc>
+                  <a:txBody>
+                    <a:bodyPr/>
+                    <a:lstStyle/>
+                    <a:p>
+                      <a:r>
+                        <a:rPr lang="es-ES" dirty="0" smtClean="0"/>
+                        <a:t>101</a:t>
+                      </a:r>
+                      <a:endParaRPr lang="es-ES" dirty="0"/>
+                    </a:p>
+                  </a:txBody>
+                  <a:tcPr/>
+                </a:tc>
+                <a:tc>
+                  <a:txBody>
+                    <a:bodyPr/>
+                    <a:lstStyle/>
+                    <a:p>
+                      <a:r>
+                        <a:rPr lang="es-ES" dirty="0" smtClean="0"/>
+                        <a:t>47</a:t>
+                      </a:r>
+                      <a:endParaRPr lang="es-ES" dirty="0"/>
+                    </a:p>
+                  </a:txBody>
+                  <a:tcPr/>
+                </a:tc>
+                <a:tc>
+                  <a:txBody>
+                    <a:bodyPr/>
+                    <a:lstStyle/>
+                    <a:p>
+                      <a:r>
+                        <a:rPr lang="es-ES" dirty="0" smtClean="0"/>
+                        <a:t>3</a:t>
+                      </a:r>
+                      <a:endParaRPr lang="es-ES" dirty="0"/>
+                    </a:p>
+                  </a:txBody>
+                  <a:tcPr/>
+                </a:tc>
+                <a:tc>
+                  <a:txBody>
+                    <a:bodyPr/>
+                    <a:lstStyle/>
+                    <a:p>
+                      <a:r>
+                        <a:rPr lang="es-ES" dirty="0" smtClean="0"/>
+                        <a:t>0</a:t>
+                      </a:r>
+                      <a:endParaRPr lang="es-ES" dirty="0"/>
+                    </a:p>
+                  </a:txBody>
+                  <a:tcPr/>
+                </a:tc>
+              </a:tr>
+            </a:tbl>
+          </a:graphicData>
+        </a:graphic>
+      </p:graphicFrame>
+      <p:graphicFrame>
+        <p:nvGraphicFramePr>
+          <p:cNvPr id="10" name="Tabla 9"/>
+          <p:cNvGraphicFramePr>
+            <a:graphicFrameLocks noGrp="1"/>
+          </p:cNvGraphicFramePr>
+          <p:nvPr>
+            <p:extLst>
+              <p:ext uri="{D42A27DB-BD31-4B8C-83A1-F6EECF244321}">
+                <p14:modId xmlns:p14="http://schemas.microsoft.com/office/powerpoint/2010/main" val="4002888618"/>
+              </p:ext>
+            </p:extLst>
+          </p:nvPr>
+        </p:nvGraphicFramePr>
+        <p:xfrm>
+          <a:off x="6538555" y="2319868"/>
+          <a:ext cx="3479800" cy="1942302"/>
+        </p:xfrm>
+        <a:graphic>
+          <a:graphicData uri="http://schemas.openxmlformats.org/drawingml/2006/table">
+            <a:tbl>
+              <a:tblPr firstRow="1" bandRow="1">
+                <a:tableStyleId>{2D5ABB26-0587-4C30-8999-92F81FD0307C}</a:tableStyleId>
+              </a:tblPr>
+              <a:tblGrid>
+                <a:gridCol w="695960"/>
+                <a:gridCol w="695960"/>
+                <a:gridCol w="695960"/>
+                <a:gridCol w="695960"/>
+                <a:gridCol w="695960"/>
+              </a:tblGrid>
+              <a:tr h="380154">
+                <a:tc>
+                  <a:txBody>
+                    <a:bodyPr/>
+                    <a:lstStyle/>
+                    <a:p>
+                      <a:r>
+                        <a:rPr lang="es-ES" dirty="0" smtClean="0"/>
+                        <a:t>0</a:t>
+                      </a:r>
+                      <a:endParaRPr lang="es-ES" dirty="0"/>
+                    </a:p>
+                  </a:txBody>
+                  <a:tcPr/>
+                </a:tc>
+                <a:tc>
+                  <a:txBody>
+                    <a:bodyPr/>
+                    <a:lstStyle/>
+                    <a:p>
+                      <a:r>
+                        <a:rPr lang="es-ES" dirty="0" smtClean="0"/>
+                        <a:t>4</a:t>
+                      </a:r>
+                      <a:endParaRPr lang="es-ES" dirty="0"/>
+                    </a:p>
+                  </a:txBody>
+                  <a:tcPr/>
+                </a:tc>
+                <a:tc>
+                  <a:txBody>
+                    <a:bodyPr/>
+                    <a:lstStyle/>
+                    <a:p>
+                      <a:r>
+                        <a:rPr lang="es-ES" dirty="0" smtClean="0"/>
+                        <a:t>7</a:t>
+                      </a:r>
+                      <a:endParaRPr lang="es-ES" dirty="0"/>
+                    </a:p>
+                  </a:txBody>
+                  <a:tcPr/>
+                </a:tc>
+                <a:tc>
+                  <a:txBody>
+                    <a:bodyPr/>
+                    <a:lstStyle/>
+                    <a:p>
+                      <a:r>
+                        <a:rPr lang="es-ES" dirty="0" smtClean="0"/>
+                        <a:t>4</a:t>
+                      </a:r>
+                      <a:endParaRPr lang="es-ES" dirty="0"/>
+                    </a:p>
+                  </a:txBody>
+                  <a:tcPr/>
+                </a:tc>
+                <a:tc>
+                  <a:txBody>
+                    <a:bodyPr/>
+                    <a:lstStyle/>
+                    <a:p>
+                      <a:r>
+                        <a:rPr lang="es-ES" dirty="0" smtClean="0"/>
+                        <a:t>1</a:t>
+                      </a:r>
+                      <a:endParaRPr lang="es-ES" dirty="0"/>
+                    </a:p>
+                  </a:txBody>
+                  <a:tcPr/>
+                </a:tc>
+              </a:tr>
+              <a:tr h="390537">
+                <a:tc>
+                  <a:txBody>
+                    <a:bodyPr/>
+                    <a:lstStyle/>
+                    <a:p>
+                      <a:r>
+                        <a:rPr lang="es-ES" dirty="0" smtClean="0"/>
+                        <a:t>0</a:t>
+                      </a:r>
+                      <a:endParaRPr lang="es-ES" dirty="0"/>
+                    </a:p>
+                  </a:txBody>
+                  <a:tcPr/>
+                </a:tc>
+                <a:tc>
+                  <a:txBody>
+                    <a:bodyPr/>
+                    <a:lstStyle/>
+                    <a:p>
+                      <a:r>
+                        <a:rPr lang="es-ES" dirty="0" smtClean="0"/>
+                        <a:t>0</a:t>
+                      </a:r>
+                      <a:endParaRPr lang="es-ES" dirty="0"/>
+                    </a:p>
+                  </a:txBody>
+                  <a:tcPr/>
+                </a:tc>
+                <a:tc>
+                  <a:txBody>
+                    <a:bodyPr/>
+                    <a:lstStyle/>
+                    <a:p>
+                      <a:r>
+                        <a:rPr lang="es-ES" dirty="0" smtClean="0"/>
+                        <a:t>10</a:t>
+                      </a:r>
+                      <a:endParaRPr lang="es-ES" dirty="0"/>
+                    </a:p>
+                  </a:txBody>
+                  <a:tcPr/>
+                </a:tc>
+                <a:tc>
+                  <a:txBody>
+                    <a:bodyPr/>
+                    <a:lstStyle/>
+                    <a:p>
+                      <a:r>
+                        <a:rPr lang="es-ES" dirty="0" smtClean="0"/>
+                        <a:t>3</a:t>
+                      </a:r>
+                      <a:endParaRPr lang="es-ES" dirty="0"/>
+                    </a:p>
+                  </a:txBody>
+                  <a:tcPr/>
+                </a:tc>
+                <a:tc>
+                  <a:txBody>
+                    <a:bodyPr/>
+                    <a:lstStyle/>
+                    <a:p>
+                      <a:r>
+                        <a:rPr lang="es-ES" dirty="0" smtClean="0"/>
+                        <a:t>21</a:t>
+                      </a:r>
+                      <a:endParaRPr lang="es-ES" dirty="0"/>
+                    </a:p>
+                  </a:txBody>
+                  <a:tcPr/>
+                </a:tc>
+              </a:tr>
+              <a:tr h="390537">
+                <a:tc>
+                  <a:txBody>
+                    <a:bodyPr/>
+                    <a:lstStyle/>
+                    <a:p>
+                      <a:r>
+                        <a:rPr lang="es-ES" dirty="0" smtClean="0"/>
+                        <a:t>0</a:t>
+                      </a:r>
+                      <a:endParaRPr lang="es-ES" dirty="0"/>
+                    </a:p>
+                  </a:txBody>
+                  <a:tcPr/>
+                </a:tc>
+                <a:tc>
+                  <a:txBody>
+                    <a:bodyPr/>
+                    <a:lstStyle/>
+                    <a:p>
+                      <a:r>
+                        <a:rPr lang="es-ES" dirty="0" smtClean="0"/>
+                        <a:t>0</a:t>
+                      </a:r>
+                      <a:endParaRPr lang="es-ES" dirty="0"/>
+                    </a:p>
+                  </a:txBody>
+                  <a:tcPr/>
+                </a:tc>
+                <a:tc>
+                  <a:txBody>
+                    <a:bodyPr/>
+                    <a:lstStyle/>
+                    <a:p>
+                      <a:r>
+                        <a:rPr lang="es-ES" dirty="0" smtClean="0"/>
+                        <a:t>0</a:t>
+                      </a:r>
+                      <a:endParaRPr lang="es-ES" dirty="0"/>
+                    </a:p>
+                  </a:txBody>
+                  <a:tcPr/>
+                </a:tc>
+                <a:tc>
+                  <a:txBody>
+                    <a:bodyPr/>
+                    <a:lstStyle/>
+                    <a:p>
+                      <a:r>
+                        <a:rPr lang="es-ES" dirty="0" smtClean="0"/>
+                        <a:t>47</a:t>
+                      </a:r>
+                      <a:endParaRPr lang="es-ES" dirty="0"/>
+                    </a:p>
+                  </a:txBody>
+                  <a:tcPr/>
+                </a:tc>
+                <a:tc>
+                  <a:txBody>
+                    <a:bodyPr/>
+                    <a:lstStyle/>
+                    <a:p>
+                      <a:r>
+                        <a:rPr lang="es-ES" dirty="0" smtClean="0"/>
+                        <a:t>3</a:t>
+                      </a:r>
+                      <a:endParaRPr lang="es-ES" dirty="0"/>
+                    </a:p>
+                  </a:txBody>
+                  <a:tcPr/>
+                </a:tc>
+              </a:tr>
+              <a:tr h="390537">
+                <a:tc>
+                  <a:txBody>
+                    <a:bodyPr/>
+                    <a:lstStyle/>
+                    <a:p>
+                      <a:r>
+                        <a:rPr lang="es-ES" dirty="0" smtClean="0"/>
+                        <a:t>41</a:t>
+                      </a:r>
+                      <a:endParaRPr lang="es-ES" dirty="0"/>
+                    </a:p>
+                  </a:txBody>
+                  <a:tcPr/>
+                </a:tc>
+                <a:tc>
+                  <a:txBody>
+                    <a:bodyPr/>
+                    <a:lstStyle/>
+                    <a:p>
+                      <a:r>
+                        <a:rPr lang="es-ES" dirty="0" smtClean="0"/>
+                        <a:t>21</a:t>
+                      </a:r>
+                      <a:endParaRPr lang="es-ES" dirty="0"/>
+                    </a:p>
+                  </a:txBody>
+                  <a:tcPr/>
+                </a:tc>
+                <a:tc>
+                  <a:txBody>
+                    <a:bodyPr/>
+                    <a:lstStyle/>
+                    <a:p>
+                      <a:r>
+                        <a:rPr lang="es-ES" dirty="0" smtClean="0"/>
+                        <a:t>7</a:t>
+                      </a:r>
+                      <a:endParaRPr lang="es-ES" dirty="0"/>
+                    </a:p>
+                  </a:txBody>
+                  <a:tcPr/>
+                </a:tc>
+                <a:tc>
+                  <a:txBody>
+                    <a:bodyPr/>
+                    <a:lstStyle/>
+                    <a:p>
+                      <a:r>
+                        <a:rPr lang="es-ES" dirty="0" smtClean="0"/>
+                        <a:t>0</a:t>
+                      </a:r>
+                      <a:endParaRPr lang="es-ES" dirty="0"/>
+                    </a:p>
+                  </a:txBody>
+                  <a:tcPr/>
+                </a:tc>
+                <a:tc>
+                  <a:txBody>
+                    <a:bodyPr/>
+                    <a:lstStyle/>
+                    <a:p>
+                      <a:r>
+                        <a:rPr lang="es-ES" dirty="0" smtClean="0"/>
+                        <a:t>9</a:t>
+                      </a:r>
+                      <a:endParaRPr lang="es-ES" dirty="0"/>
+                    </a:p>
+                  </a:txBody>
+                  <a:tcPr/>
+                </a:tc>
+              </a:tr>
+              <a:tr h="390537">
+                <a:tc>
+                  <a:txBody>
+                    <a:bodyPr/>
+                    <a:lstStyle/>
+                    <a:p>
+                      <a:r>
+                        <a:rPr lang="es-ES" dirty="0" smtClean="0"/>
+                        <a:t>21</a:t>
+                      </a:r>
+                      <a:endParaRPr lang="es-ES" dirty="0"/>
+                    </a:p>
+                  </a:txBody>
+                  <a:tcPr/>
+                </a:tc>
+                <a:tc>
+                  <a:txBody>
+                    <a:bodyPr/>
+                    <a:lstStyle/>
+                    <a:p>
+                      <a:r>
+                        <a:rPr lang="es-ES" dirty="0" smtClean="0"/>
+                        <a:t>43</a:t>
+                      </a:r>
+                      <a:endParaRPr lang="es-ES" dirty="0"/>
+                    </a:p>
+                  </a:txBody>
+                  <a:tcPr/>
+                </a:tc>
+                <a:tc>
+                  <a:txBody>
+                    <a:bodyPr/>
+                    <a:lstStyle/>
+                    <a:p>
+                      <a:r>
+                        <a:rPr lang="es-ES" dirty="0" smtClean="0"/>
+                        <a:t>32</a:t>
+                      </a:r>
+                      <a:endParaRPr lang="es-ES" dirty="0"/>
+                    </a:p>
+                  </a:txBody>
+                  <a:tcPr/>
+                </a:tc>
+                <a:tc>
+                  <a:txBody>
+                    <a:bodyPr/>
+                    <a:lstStyle/>
+                    <a:p>
+                      <a:r>
+                        <a:rPr lang="es-ES" dirty="0" smtClean="0"/>
+                        <a:t>0</a:t>
+                      </a:r>
+                      <a:endParaRPr lang="es-ES" dirty="0"/>
+                    </a:p>
+                  </a:txBody>
+                  <a:tcPr/>
+                </a:tc>
+                <a:tc>
+                  <a:txBody>
+                    <a:bodyPr/>
+                    <a:lstStyle/>
+                    <a:p>
+                      <a:r>
+                        <a:rPr lang="es-ES" dirty="0" smtClean="0"/>
+                        <a:t>27</a:t>
+                      </a:r>
+                      <a:endParaRPr lang="es-ES" dirty="0"/>
+                    </a:p>
+                  </a:txBody>
+                  <a:tcPr/>
+                </a:tc>
+              </a:tr>
+            </a:tbl>
+          </a:graphicData>
+        </a:graphic>
+      </p:graphicFrame>
+      <p:sp>
+        <p:nvSpPr>
+          <p:cNvPr id="11" name="Corchetes 10"/>
+          <p:cNvSpPr/>
+          <p:nvPr/>
+        </p:nvSpPr>
+        <p:spPr>
+          <a:xfrm>
+            <a:off x="1441667" y="2335358"/>
+            <a:ext cx="3581400" cy="1998134"/>
+          </a:xfrm>
+          <a:prstGeom prst="bracketPair">
+            <a:avLst/>
+          </a:prstGeom>
+        </p:spPr>
+        <p:style>
+          <a:lnRef idx="1">
+            <a:schemeClr val="accent1"/>
+          </a:lnRef>
+          <a:fillRef idx="0">
+            <a:schemeClr val="accent1"/>
+          </a:fillRef>
+          <a:effectRef idx="0">
+            <a:schemeClr val="accent1"/>
+          </a:effectRef>
+          <a:fontRef idx="minor">
+            <a:schemeClr val="tx1"/>
+          </a:fontRef>
+        </p:style>
+        <p:txBody>
+          <a:bodyPr rtlCol="0" anchor="ctr"/>
+          <a:lstStyle/>
+          <a:p>
+            <a:pPr algn="ctr"/>
+            <a:endParaRPr lang="es-ES"/>
+          </a:p>
+        </p:txBody>
+      </p:sp>
+      <p:sp>
+        <p:nvSpPr>
+          <p:cNvPr id="12" name="Corchetes 11"/>
+          <p:cNvSpPr/>
+          <p:nvPr/>
+        </p:nvSpPr>
+        <p:spPr>
+          <a:xfrm>
+            <a:off x="6268079" y="2335358"/>
+            <a:ext cx="3581400" cy="1998134"/>
+          </a:xfrm>
+          <a:prstGeom prst="bracketPair">
+            <a:avLst/>
+          </a:prstGeom>
+        </p:spPr>
+        <p:style>
+          <a:lnRef idx="1">
+            <a:schemeClr val="accent1"/>
+          </a:lnRef>
+          <a:fillRef idx="0">
+            <a:schemeClr val="accent1"/>
+          </a:fillRef>
+          <a:effectRef idx="0">
+            <a:schemeClr val="accent1"/>
+          </a:effectRef>
+          <a:fontRef idx="minor">
+            <a:schemeClr val="tx1"/>
+          </a:fontRef>
+        </p:style>
+        <p:txBody>
+          <a:bodyPr rtlCol="0" anchor="ctr"/>
+          <a:lstStyle/>
+          <a:p>
+            <a:pPr algn="ctr"/>
+            <a:endParaRPr lang="es-ES"/>
+          </a:p>
+        </p:txBody>
+      </p:sp>
+      <p:sp>
+        <p:nvSpPr>
+          <p:cNvPr id="3" name="CuadroTexto 2"/>
+          <p:cNvSpPr txBox="1"/>
+          <p:nvPr/>
+        </p:nvSpPr>
+        <p:spPr>
+          <a:xfrm>
+            <a:off x="873501" y="2393023"/>
+            <a:ext cx="447558" cy="1858842"/>
+          </a:xfrm>
+          <a:prstGeom prst="rect">
+            <a:avLst/>
+          </a:prstGeom>
+          <a:noFill/>
+        </p:spPr>
+        <p:txBody>
+          <a:bodyPr wrap="none" rtlCol="0">
+            <a:spAutoFit/>
+          </a:bodyPr>
+          <a:lstStyle/>
+          <a:p>
+            <a:pPr>
+              <a:lnSpc>
+                <a:spcPts val="2800"/>
+              </a:lnSpc>
+            </a:pPr>
+            <a:r>
+              <a:rPr lang="es-ES" b="1" dirty="0" smtClean="0"/>
+              <a:t>H1</a:t>
+            </a:r>
+          </a:p>
+          <a:p>
+            <a:pPr>
+              <a:lnSpc>
+                <a:spcPts val="2800"/>
+              </a:lnSpc>
+            </a:pPr>
+            <a:r>
+              <a:rPr lang="es-ES" b="1" dirty="0" smtClean="0"/>
+              <a:t>H2</a:t>
+            </a:r>
+          </a:p>
+          <a:p>
+            <a:pPr>
+              <a:lnSpc>
+                <a:spcPts val="2800"/>
+              </a:lnSpc>
+            </a:pPr>
+            <a:r>
+              <a:rPr lang="es-ES" b="1" dirty="0" smtClean="0"/>
+              <a:t>H3</a:t>
+            </a:r>
+          </a:p>
+          <a:p>
+            <a:pPr>
+              <a:lnSpc>
+                <a:spcPts val="2800"/>
+              </a:lnSpc>
+            </a:pPr>
+            <a:r>
+              <a:rPr lang="es-ES" b="1" dirty="0" smtClean="0"/>
+              <a:t>H4</a:t>
+            </a:r>
+          </a:p>
+          <a:p>
+            <a:pPr>
+              <a:lnSpc>
+                <a:spcPts val="2800"/>
+              </a:lnSpc>
+            </a:pPr>
+            <a:r>
+              <a:rPr lang="es-ES" b="1" dirty="0" smtClean="0"/>
+              <a:t>H5</a:t>
+            </a:r>
+            <a:endParaRPr lang="es-ES" b="1" dirty="0"/>
+          </a:p>
+        </p:txBody>
+      </p:sp>
+      <p:sp>
+        <p:nvSpPr>
+          <p:cNvPr id="13" name="CuadroTexto 12"/>
+          <p:cNvSpPr txBox="1"/>
+          <p:nvPr/>
+        </p:nvSpPr>
+        <p:spPr>
+          <a:xfrm>
+            <a:off x="5678921" y="2335358"/>
+            <a:ext cx="457176" cy="1887696"/>
+          </a:xfrm>
+          <a:prstGeom prst="rect">
+            <a:avLst/>
+          </a:prstGeom>
+          <a:noFill/>
+        </p:spPr>
+        <p:txBody>
+          <a:bodyPr wrap="none" rtlCol="0">
+            <a:spAutoFit/>
+          </a:bodyPr>
+          <a:lstStyle/>
+          <a:p>
+            <a:pPr>
+              <a:lnSpc>
+                <a:spcPts val="2800"/>
+              </a:lnSpc>
+            </a:pPr>
+            <a:r>
+              <a:rPr lang="es-ES" b="1" dirty="0"/>
+              <a:t>O</a:t>
+            </a:r>
+            <a:r>
+              <a:rPr lang="es-ES" b="1" dirty="0" smtClean="0"/>
+              <a:t>1</a:t>
+            </a:r>
+          </a:p>
+          <a:p>
+            <a:pPr>
+              <a:lnSpc>
+                <a:spcPts val="2800"/>
+              </a:lnSpc>
+            </a:pPr>
+            <a:r>
+              <a:rPr lang="es-ES" b="1" dirty="0"/>
+              <a:t>O</a:t>
+            </a:r>
+            <a:r>
+              <a:rPr lang="es-ES" b="1" dirty="0" smtClean="0"/>
+              <a:t>2</a:t>
+            </a:r>
+          </a:p>
+          <a:p>
+            <a:pPr>
+              <a:lnSpc>
+                <a:spcPts val="2800"/>
+              </a:lnSpc>
+            </a:pPr>
+            <a:r>
+              <a:rPr lang="es-ES" b="1" dirty="0"/>
+              <a:t>O</a:t>
+            </a:r>
+            <a:r>
+              <a:rPr lang="es-ES" b="1" dirty="0" smtClean="0"/>
+              <a:t>3</a:t>
+            </a:r>
+          </a:p>
+          <a:p>
+            <a:pPr>
+              <a:lnSpc>
+                <a:spcPts val="2800"/>
+              </a:lnSpc>
+            </a:pPr>
+            <a:r>
+              <a:rPr lang="es-ES" b="1" dirty="0"/>
+              <a:t>O</a:t>
+            </a:r>
+            <a:r>
+              <a:rPr lang="es-ES" b="1" dirty="0" smtClean="0"/>
+              <a:t>4</a:t>
+            </a:r>
+          </a:p>
+          <a:p>
+            <a:pPr>
+              <a:lnSpc>
+                <a:spcPts val="2800"/>
+              </a:lnSpc>
+            </a:pPr>
+            <a:r>
+              <a:rPr lang="es-ES" b="1" dirty="0"/>
+              <a:t>O</a:t>
+            </a:r>
+            <a:r>
+              <a:rPr lang="es-ES" b="1" dirty="0" smtClean="0"/>
+              <a:t>5</a:t>
+            </a:r>
+            <a:endParaRPr lang="es-ES" b="1" dirty="0"/>
+          </a:p>
+        </p:txBody>
+      </p:sp>
+      <p:sp>
+        <p:nvSpPr>
+          <p:cNvPr id="14" name="CuadroTexto 13"/>
+          <p:cNvSpPr txBox="1"/>
+          <p:nvPr/>
+        </p:nvSpPr>
+        <p:spPr>
+          <a:xfrm>
+            <a:off x="1654691" y="1880525"/>
+            <a:ext cx="3155351" cy="369332"/>
+          </a:xfrm>
+          <a:prstGeom prst="rect">
+            <a:avLst/>
+          </a:prstGeom>
+          <a:noFill/>
+        </p:spPr>
+        <p:txBody>
+          <a:bodyPr wrap="none" rtlCol="0">
+            <a:spAutoFit/>
+          </a:bodyPr>
+          <a:lstStyle/>
+          <a:p>
+            <a:r>
+              <a:rPr lang="es-ES" b="1" kern="1900" spc="120" dirty="0" smtClean="0"/>
+              <a:t>H1     H2      H3      H4     H5</a:t>
+            </a:r>
+            <a:endParaRPr lang="es-ES" b="1" kern="1900" spc="120" dirty="0"/>
+          </a:p>
+        </p:txBody>
+      </p:sp>
+      <p:sp>
+        <p:nvSpPr>
+          <p:cNvPr id="15" name="CuadroTexto 14"/>
+          <p:cNvSpPr txBox="1"/>
+          <p:nvPr/>
+        </p:nvSpPr>
+        <p:spPr>
+          <a:xfrm>
+            <a:off x="6481103" y="1839266"/>
+            <a:ext cx="3203441" cy="369332"/>
+          </a:xfrm>
+          <a:prstGeom prst="rect">
+            <a:avLst/>
+          </a:prstGeom>
+          <a:noFill/>
+        </p:spPr>
+        <p:txBody>
+          <a:bodyPr wrap="none" rtlCol="0">
+            <a:spAutoFit/>
+          </a:bodyPr>
+          <a:lstStyle/>
+          <a:p>
+            <a:r>
+              <a:rPr lang="es-ES" b="1" kern="1900" spc="120" dirty="0" smtClean="0"/>
+              <a:t>O1     O2      O3      O4     O5</a:t>
+            </a:r>
+            <a:endParaRPr lang="es-ES" b="1" kern="1900" spc="120" dirty="0"/>
+          </a:p>
+        </p:txBody>
+      </p:sp>
+      <p:cxnSp>
+        <p:nvCxnSpPr>
+          <p:cNvPr id="17" name="Conector recto de flecha 16"/>
+          <p:cNvCxnSpPr/>
+          <p:nvPr/>
+        </p:nvCxnSpPr>
+        <p:spPr>
+          <a:xfrm>
+            <a:off x="3224128" y="4333492"/>
+            <a:ext cx="8238" cy="345600"/>
+          </a:xfrm>
+          <a:prstGeom prst="straightConnector1">
+            <a:avLst/>
+          </a:prstGeom>
+          <a:ln>
+            <a:tailEnd type="triangle"/>
+          </a:ln>
+        </p:spPr>
+        <p:style>
+          <a:lnRef idx="1">
+            <a:schemeClr val="accent1"/>
+          </a:lnRef>
+          <a:fillRef idx="0">
+            <a:schemeClr val="accent1"/>
+          </a:fillRef>
+          <a:effectRef idx="0">
+            <a:schemeClr val="accent1"/>
+          </a:effectRef>
+          <a:fontRef idx="minor">
+            <a:schemeClr val="tx1"/>
+          </a:fontRef>
+        </p:style>
+      </p:cxnSp>
+      <p:cxnSp>
+        <p:nvCxnSpPr>
+          <p:cNvPr id="19" name="Conector recto de flecha 18"/>
+          <p:cNvCxnSpPr/>
+          <p:nvPr/>
+        </p:nvCxnSpPr>
+        <p:spPr>
+          <a:xfrm>
+            <a:off x="8082823" y="4333492"/>
+            <a:ext cx="0" cy="345600"/>
+          </a:xfrm>
+          <a:prstGeom prst="straightConnector1">
+            <a:avLst/>
+          </a:prstGeom>
+          <a:ln>
+            <a:tailEnd type="triangle"/>
+          </a:ln>
+        </p:spPr>
+        <p:style>
+          <a:lnRef idx="1">
+            <a:schemeClr val="accent1"/>
+          </a:lnRef>
+          <a:fillRef idx="0">
+            <a:schemeClr val="accent1"/>
+          </a:fillRef>
+          <a:effectRef idx="0">
+            <a:schemeClr val="accent1"/>
+          </a:effectRef>
+          <a:fontRef idx="minor">
+            <a:schemeClr val="tx1"/>
+          </a:fontRef>
+        </p:style>
+      </p:cxnSp>
+      <p:pic>
+        <p:nvPicPr>
+          <p:cNvPr id="20" name="Imagen 19"/>
+          <p:cNvPicPr>
+            <a:picLocks noChangeAspect="1"/>
+          </p:cNvPicPr>
+          <p:nvPr/>
+        </p:nvPicPr>
+        <p:blipFill rotWithShape="1">
+          <a:blip r:embed="rId2"/>
+          <a:srcRect l="55778" t="18034" r="37564" b="76095"/>
+          <a:stretch/>
+        </p:blipFill>
+        <p:spPr>
+          <a:xfrm>
+            <a:off x="2615306" y="5663311"/>
+            <a:ext cx="1217643" cy="604008"/>
+          </a:xfrm>
+          <a:prstGeom prst="rect">
+            <a:avLst/>
+          </a:prstGeom>
+        </p:spPr>
+      </p:pic>
+      <p:pic>
+        <p:nvPicPr>
+          <p:cNvPr id="22" name="Imagen 21"/>
+          <p:cNvPicPr>
+            <a:picLocks noChangeAspect="1"/>
+          </p:cNvPicPr>
+          <p:nvPr/>
+        </p:nvPicPr>
+        <p:blipFill rotWithShape="1">
+          <a:blip r:embed="rId3"/>
+          <a:srcRect l="45724" t="33270" r="46729" b="60357"/>
+          <a:stretch/>
+        </p:blipFill>
+        <p:spPr>
+          <a:xfrm>
+            <a:off x="7392710" y="5637511"/>
+            <a:ext cx="1380226" cy="655608"/>
+          </a:xfrm>
+          <a:prstGeom prst="rect">
+            <a:avLst/>
+          </a:prstGeom>
+        </p:spPr>
+      </p:pic>
+    </p:spTree>
+    <p:extLst>
+      <p:ext uri="{BB962C8B-B14F-4D97-AF65-F5344CB8AC3E}">
+        <p14:creationId xmlns:p14="http://schemas.microsoft.com/office/powerpoint/2010/main" val="4188406759"/>
+      </p:ext>
+    </p:extLst>
+  </p:cSld>
+  <p:clrMapOvr>
+    <a:masterClrMapping/>
+  </p:clrMapOvr>
+  <p:timing>
+    <p:tnLst>
+      <p:par>
+        <p:cTn id="1" dur="indefinite" restart="never" nodeType="tmRoot"/>
+      </p:par>
+    </p:tnLst>
+  </p:timing>
+</p:sld>
+</file>
+
+<file path=ppt/slides/slide7.xml><?xml version="1.0" encoding="utf-8"?>
+<p:sld xmlns:a="http://schemas.openxmlformats.org/drawingml/2006/main" xmlns:r="http://schemas.openxmlformats.org/officeDocument/2006/relationships" xmlns:p="http://schemas.openxmlformats.org/presentationml/2006/main">
+  <p:cSld>
+    <p:spTree>
+      <p:nvGrpSpPr>
+        <p:cNvPr id="1" name=""/>
+        <p:cNvGrpSpPr/>
+        <p:nvPr/>
+      </p:nvGrpSpPr>
+      <p:grpSpPr>
+        <a:xfrm>
+          <a:off x="0" y="0"/>
+          <a:ext cx="0" cy="0"/>
+          <a:chOff x="0" y="0"/>
+          <a:chExt cx="0" cy="0"/>
+        </a:xfrm>
+      </p:grpSpPr>
+      <p:sp>
+        <p:nvSpPr>
+          <p:cNvPr id="2" name="Título 1"/>
+          <p:cNvSpPr>
+            <a:spLocks noGrp="1"/>
+          </p:cNvSpPr>
+          <p:nvPr>
+            <p:ph type="title"/>
+          </p:nvPr>
+        </p:nvSpPr>
+        <p:spPr/>
+        <p:txBody>
+          <a:bodyPr/>
+          <a:lstStyle/>
+          <a:p>
+            <a:r>
+              <a:rPr lang="es-ES" dirty="0" smtClean="0"/>
+              <a:t>Ejemplo </a:t>
+            </a:r>
+            <a:r>
+              <a:rPr lang="es-ES" dirty="0" err="1" smtClean="0"/>
+              <a:t>Greedy</a:t>
+            </a:r>
+            <a:endParaRPr lang="es-ES" dirty="0"/>
+          </a:p>
+        </p:txBody>
+      </p:sp>
+      <p:graphicFrame>
+        <p:nvGraphicFramePr>
+          <p:cNvPr id="4" name="Marcador de contenido 3"/>
+          <p:cNvGraphicFramePr>
+            <a:graphicFrameLocks noGrp="1"/>
+          </p:cNvGraphicFramePr>
+          <p:nvPr>
+            <p:ph idx="1"/>
+            <p:extLst>
+              <p:ext uri="{D42A27DB-BD31-4B8C-83A1-F6EECF244321}">
                 <p14:modId xmlns:p14="http://schemas.microsoft.com/office/powerpoint/2010/main" val="2377980970"/>
               </p:ext>
             </p:extLst>
@@ -7853,7 +10838,7 @@
 </p:sld>
 </file>
 
-<file path=ppt/slides/slide7.xml><?xml version="1.0" encoding="utf-8"?>
+<file path=ppt/slides/slide8.xml><?xml version="1.0" encoding="utf-8"?>
 <p:sld xmlns:a="http://schemas.openxmlformats.org/drawingml/2006/main" xmlns:r="http://schemas.openxmlformats.org/officeDocument/2006/relationships" xmlns:p="http://schemas.openxmlformats.org/presentationml/2006/main">
   <p:cSld>
     <p:spTree>
@@ -8623,7 +11608,7 @@
 </p:sld>
 </file>
 
-<file path=ppt/slides/slide8.xml><?xml version="1.0" encoding="utf-8"?>
+<file path=ppt/slides/slide9.xml><?xml version="1.0" encoding="utf-8"?>
 <p:sld xmlns:a="http://schemas.openxmlformats.org/drawingml/2006/main" xmlns:r="http://schemas.openxmlformats.org/officeDocument/2006/relationships" xmlns:p="http://schemas.openxmlformats.org/presentationml/2006/main">
   <p:cSld>
     <p:spTree>
@@ -9381,782 +12366,6 @@
     <p:extLst>
       <p:ext uri="{BB962C8B-B14F-4D97-AF65-F5344CB8AC3E}">
         <p14:creationId xmlns:p14="http://schemas.microsoft.com/office/powerpoint/2010/main" val="897254995"/>
-      </p:ext>
-    </p:extLst>
-  </p:cSld>
-  <p:clrMapOvr>
-    <a:masterClrMapping/>
-  </p:clrMapOvr>
-  <p:timing>
-    <p:tnLst>
-      <p:par>
-        <p:cTn id="1" dur="indefinite" restart="never" nodeType="tmRoot"/>
-      </p:par>
-    </p:tnLst>
-  </p:timing>
-</p:sld>
-</file>
-
-<file path=ppt/slides/slide9.xml><?xml version="1.0" encoding="utf-8"?>
-<p:sld xmlns:a="http://schemas.openxmlformats.org/drawingml/2006/main" xmlns:r="http://schemas.openxmlformats.org/officeDocument/2006/relationships" xmlns:p="http://schemas.openxmlformats.org/presentationml/2006/main">
-  <p:cSld>
-    <p:spTree>
-      <p:nvGrpSpPr>
-        <p:cNvPr id="1" name=""/>
-        <p:cNvGrpSpPr/>
-        <p:nvPr/>
-      </p:nvGrpSpPr>
-      <p:grpSpPr>
-        <a:xfrm>
-          <a:off x="0" y="0"/>
-          <a:ext cx="0" cy="0"/>
-          <a:chOff x="0" y="0"/>
-          <a:chExt cx="0" cy="0"/>
-        </a:xfrm>
-      </p:grpSpPr>
-      <p:sp>
-        <p:nvSpPr>
-          <p:cNvPr id="2" name="Título 1"/>
-          <p:cNvSpPr>
-            <a:spLocks noGrp="1"/>
-          </p:cNvSpPr>
-          <p:nvPr>
-            <p:ph type="title"/>
-          </p:nvPr>
-        </p:nvSpPr>
-        <p:spPr/>
-        <p:txBody>
-          <a:bodyPr/>
-          <a:lstStyle/>
-          <a:p>
-            <a:r>
-              <a:rPr lang="es-ES" dirty="0" smtClean="0"/>
-              <a:t>Ejemplo </a:t>
-            </a:r>
-            <a:r>
-              <a:rPr lang="es-ES" dirty="0" err="1" smtClean="0"/>
-              <a:t>Greedy</a:t>
-            </a:r>
-            <a:endParaRPr lang="es-ES" dirty="0"/>
-          </a:p>
-        </p:txBody>
-      </p:sp>
-      <p:graphicFrame>
-        <p:nvGraphicFramePr>
-          <p:cNvPr id="4" name="Marcador de contenido 3"/>
-          <p:cNvGraphicFramePr>
-            <a:graphicFrameLocks noGrp="1"/>
-          </p:cNvGraphicFramePr>
-          <p:nvPr>
-            <p:ph idx="1"/>
-          </p:nvPr>
-        </p:nvGraphicFramePr>
-        <p:xfrm>
-          <a:off x="1469496" y="2216667"/>
-          <a:ext cx="3758815" cy="736600"/>
-        </p:xfrm>
-        <a:graphic>
-          <a:graphicData uri="http://schemas.openxmlformats.org/drawingml/2006/table">
-            <a:tbl>
-              <a:tblPr firstRow="1" bandRow="1">
-                <a:tableStyleId>{5C22544A-7EE6-4342-B048-85BDC9FD1C3A}</a:tableStyleId>
-              </a:tblPr>
-              <a:tblGrid>
-                <a:gridCol w="751763"/>
-                <a:gridCol w="751763"/>
-                <a:gridCol w="751763"/>
-                <a:gridCol w="751763"/>
-                <a:gridCol w="751763"/>
-              </a:tblGrid>
-              <a:tr h="354436">
-                <a:tc>
-                  <a:txBody>
-                    <a:bodyPr/>
-                    <a:lstStyle/>
-                    <a:p>
-                      <a:pPr algn="ctr"/>
-                      <a:r>
-                        <a:rPr lang="es-ES" dirty="0" smtClean="0"/>
-                        <a:t>1</a:t>
-                      </a:r>
-                      <a:endParaRPr lang="es-ES" dirty="0"/>
-                    </a:p>
-                  </a:txBody>
-                  <a:tcPr/>
-                </a:tc>
-                <a:tc>
-                  <a:txBody>
-                    <a:bodyPr/>
-                    <a:lstStyle/>
-                    <a:p>
-                      <a:pPr algn="ctr"/>
-                      <a:r>
-                        <a:rPr lang="es-ES" dirty="0" smtClean="0"/>
-                        <a:t>2</a:t>
-                      </a:r>
-                      <a:endParaRPr lang="es-ES" dirty="0"/>
-                    </a:p>
-                  </a:txBody>
-                  <a:tcPr/>
-                </a:tc>
-                <a:tc>
-                  <a:txBody>
-                    <a:bodyPr/>
-                    <a:lstStyle/>
-                    <a:p>
-                      <a:pPr algn="ctr"/>
-                      <a:r>
-                        <a:rPr lang="es-ES" dirty="0" smtClean="0"/>
-                        <a:t>3</a:t>
-                      </a:r>
-                      <a:endParaRPr lang="es-ES" dirty="0"/>
-                    </a:p>
-                  </a:txBody>
-                  <a:tcPr/>
-                </a:tc>
-                <a:tc>
-                  <a:txBody>
-                    <a:bodyPr/>
-                    <a:lstStyle/>
-                    <a:p>
-                      <a:pPr algn="ctr"/>
-                      <a:r>
-                        <a:rPr lang="es-ES" dirty="0" smtClean="0"/>
-                        <a:t>4</a:t>
-                      </a:r>
-                      <a:endParaRPr lang="es-ES" dirty="0"/>
-                    </a:p>
-                  </a:txBody>
-                  <a:tcPr/>
-                </a:tc>
-                <a:tc>
-                  <a:txBody>
-                    <a:bodyPr/>
-                    <a:lstStyle/>
-                    <a:p>
-                      <a:pPr algn="ctr"/>
-                      <a:r>
-                        <a:rPr lang="es-ES" dirty="0" smtClean="0"/>
-                        <a:t>5</a:t>
-                      </a:r>
-                      <a:endParaRPr lang="es-ES" dirty="0"/>
-                    </a:p>
-                  </a:txBody>
-                  <a:tcPr/>
-                </a:tc>
-              </a:tr>
-              <a:tr h="370840">
-                <a:tc>
-                  <a:txBody>
-                    <a:bodyPr/>
-                    <a:lstStyle/>
-                    <a:p>
-                      <a:pPr algn="ctr"/>
-                      <a:r>
-                        <a:rPr lang="es-ES" dirty="0" smtClean="0"/>
-                        <a:t>44</a:t>
-                      </a:r>
-                      <a:endParaRPr lang="es-ES" dirty="0"/>
-                    </a:p>
-                  </a:txBody>
-                  <a:tcPr/>
-                </a:tc>
-                <a:tc>
-                  <a:txBody>
-                    <a:bodyPr/>
-                    <a:lstStyle/>
-                    <a:p>
-                      <a:pPr algn="ctr"/>
-                      <a:r>
-                        <a:rPr lang="es-ES" dirty="0" smtClean="0"/>
-                        <a:t>80</a:t>
-                      </a:r>
-                      <a:endParaRPr lang="es-ES" dirty="0"/>
-                    </a:p>
-                  </a:txBody>
-                  <a:tcPr/>
-                </a:tc>
-                <a:tc>
-                  <a:txBody>
-                    <a:bodyPr/>
-                    <a:lstStyle/>
-                    <a:p>
-                      <a:pPr algn="ctr"/>
-                      <a:r>
-                        <a:rPr lang="es-ES" dirty="0" smtClean="0"/>
-                        <a:t>160</a:t>
-                      </a:r>
-                      <a:endParaRPr lang="es-ES" dirty="0"/>
-                    </a:p>
-                  </a:txBody>
-                  <a:tcPr/>
-                </a:tc>
-                <a:tc>
-                  <a:txBody>
-                    <a:bodyPr/>
-                    <a:lstStyle/>
-                    <a:p>
-                      <a:pPr algn="ctr"/>
-                      <a:r>
-                        <a:rPr lang="es-ES" dirty="0" smtClean="0"/>
-                        <a:t>40</a:t>
-                      </a:r>
-                      <a:endParaRPr lang="es-ES" dirty="0"/>
-                    </a:p>
-                  </a:txBody>
-                  <a:tcPr/>
-                </a:tc>
-                <a:tc>
-                  <a:txBody>
-                    <a:bodyPr/>
-                    <a:lstStyle/>
-                    <a:p>
-                      <a:pPr algn="ctr"/>
-                      <a:r>
-                        <a:rPr lang="es-ES" dirty="0" smtClean="0"/>
-                        <a:t>241</a:t>
-                      </a:r>
-                      <a:endParaRPr lang="es-ES" dirty="0"/>
-                    </a:p>
-                  </a:txBody>
-                  <a:tcPr/>
-                </a:tc>
-              </a:tr>
-            </a:tbl>
-          </a:graphicData>
-        </a:graphic>
-      </p:graphicFrame>
-      <p:graphicFrame>
-        <p:nvGraphicFramePr>
-          <p:cNvPr id="5" name="Marcador de contenido 3"/>
-          <p:cNvGraphicFramePr>
-            <a:graphicFrameLocks/>
-          </p:cNvGraphicFramePr>
-          <p:nvPr/>
-        </p:nvGraphicFramePr>
-        <p:xfrm>
-          <a:off x="5812896" y="2210330"/>
-          <a:ext cx="3758815" cy="741680"/>
-        </p:xfrm>
-        <a:graphic>
-          <a:graphicData uri="http://schemas.openxmlformats.org/drawingml/2006/table">
-            <a:tbl>
-              <a:tblPr firstRow="1" bandRow="1">
-                <a:tableStyleId>{5C22544A-7EE6-4342-B048-85BDC9FD1C3A}</a:tableStyleId>
-              </a:tblPr>
-              <a:tblGrid>
-                <a:gridCol w="751763"/>
-                <a:gridCol w="751763"/>
-                <a:gridCol w="751763"/>
-                <a:gridCol w="751763"/>
-                <a:gridCol w="751763"/>
-              </a:tblGrid>
-              <a:tr h="370840">
-                <a:tc>
-                  <a:txBody>
-                    <a:bodyPr/>
-                    <a:lstStyle/>
-                    <a:p>
-                      <a:pPr algn="ctr"/>
-                      <a:r>
-                        <a:rPr lang="es-ES" dirty="0" smtClean="0"/>
-                        <a:t>1</a:t>
-                      </a:r>
-                      <a:endParaRPr lang="es-ES" dirty="0"/>
-                    </a:p>
-                  </a:txBody>
-                  <a:tcPr/>
-                </a:tc>
-                <a:tc>
-                  <a:txBody>
-                    <a:bodyPr/>
-                    <a:lstStyle/>
-                    <a:p>
-                      <a:pPr algn="ctr"/>
-                      <a:r>
-                        <a:rPr lang="es-ES" dirty="0" smtClean="0"/>
-                        <a:t>2</a:t>
-                      </a:r>
-                      <a:endParaRPr lang="es-ES" dirty="0"/>
-                    </a:p>
-                  </a:txBody>
-                  <a:tcPr/>
-                </a:tc>
-                <a:tc>
-                  <a:txBody>
-                    <a:bodyPr/>
-                    <a:lstStyle/>
-                    <a:p>
-                      <a:pPr algn="ctr"/>
-                      <a:r>
-                        <a:rPr lang="es-ES" dirty="0" smtClean="0"/>
-                        <a:t>3</a:t>
-                      </a:r>
-                      <a:endParaRPr lang="es-ES" dirty="0"/>
-                    </a:p>
-                  </a:txBody>
-                  <a:tcPr/>
-                </a:tc>
-                <a:tc>
-                  <a:txBody>
-                    <a:bodyPr/>
-                    <a:lstStyle/>
-                    <a:p>
-                      <a:pPr algn="ctr"/>
-                      <a:r>
-                        <a:rPr lang="es-ES" dirty="0" smtClean="0"/>
-                        <a:t>4</a:t>
-                      </a:r>
-                      <a:endParaRPr lang="es-ES" dirty="0"/>
-                    </a:p>
-                  </a:txBody>
-                  <a:tcPr/>
-                </a:tc>
-                <a:tc>
-                  <a:txBody>
-                    <a:bodyPr/>
-                    <a:lstStyle/>
-                    <a:p>
-                      <a:pPr algn="ctr"/>
-                      <a:r>
-                        <a:rPr lang="es-ES" dirty="0" smtClean="0"/>
-                        <a:t>5</a:t>
-                      </a:r>
-                      <a:endParaRPr lang="es-ES" dirty="0"/>
-                    </a:p>
-                  </a:txBody>
-                  <a:tcPr/>
-                </a:tc>
-              </a:tr>
-              <a:tr h="370840">
-                <a:tc>
-                  <a:txBody>
-                    <a:bodyPr/>
-                    <a:lstStyle/>
-                    <a:p>
-                      <a:pPr algn="ctr"/>
-                      <a:r>
-                        <a:rPr lang="es-ES" dirty="0" smtClean="0"/>
-                        <a:t>16</a:t>
-                      </a:r>
-                      <a:endParaRPr lang="es-ES" dirty="0"/>
-                    </a:p>
-                  </a:txBody>
-                  <a:tcPr/>
-                </a:tc>
-                <a:tc>
-                  <a:txBody>
-                    <a:bodyPr/>
-                    <a:lstStyle/>
-                    <a:p>
-                      <a:pPr algn="ctr"/>
-                      <a:r>
-                        <a:rPr lang="es-ES" dirty="0" smtClean="0"/>
-                        <a:t>24</a:t>
-                      </a:r>
-                      <a:endParaRPr lang="es-ES" dirty="0"/>
-                    </a:p>
-                  </a:txBody>
-                  <a:tcPr/>
-                </a:tc>
-                <a:tc>
-                  <a:txBody>
-                    <a:bodyPr/>
-                    <a:lstStyle/>
-                    <a:p>
-                      <a:pPr algn="ctr"/>
-                      <a:r>
-                        <a:rPr lang="es-ES" dirty="0" smtClean="0"/>
-                        <a:t>50</a:t>
-                      </a:r>
-                      <a:endParaRPr lang="es-ES" dirty="0"/>
-                    </a:p>
-                  </a:txBody>
-                  <a:tcPr/>
-                </a:tc>
-                <a:tc>
-                  <a:txBody>
-                    <a:bodyPr/>
-                    <a:lstStyle/>
-                    <a:p>
-                      <a:pPr algn="ctr"/>
-                      <a:r>
-                        <a:rPr lang="es-ES" dirty="0" smtClean="0"/>
-                        <a:t>78</a:t>
-                      </a:r>
-                      <a:endParaRPr lang="es-ES" dirty="0"/>
-                    </a:p>
-                  </a:txBody>
-                  <a:tcPr/>
-                </a:tc>
-                <a:tc>
-                  <a:txBody>
-                    <a:bodyPr/>
-                    <a:lstStyle/>
-                    <a:p>
-                      <a:pPr algn="ctr"/>
-                      <a:r>
-                        <a:rPr lang="es-ES" dirty="0" smtClean="0"/>
-                        <a:t>123</a:t>
-                      </a:r>
-                      <a:endParaRPr lang="es-ES" dirty="0"/>
-                    </a:p>
-                  </a:txBody>
-                  <a:tcPr/>
-                </a:tc>
-              </a:tr>
-            </a:tbl>
-          </a:graphicData>
-        </a:graphic>
-      </p:graphicFrame>
-      <p:sp>
-        <p:nvSpPr>
-          <p:cNvPr id="6" name="CuadroTexto 5"/>
-          <p:cNvSpPr txBox="1"/>
-          <p:nvPr/>
-        </p:nvSpPr>
-        <p:spPr>
-          <a:xfrm>
-            <a:off x="1097280" y="2328334"/>
-            <a:ext cx="550333" cy="369332"/>
-          </a:xfrm>
-          <a:prstGeom prst="rect">
-            <a:avLst/>
-          </a:prstGeom>
-          <a:noFill/>
-        </p:spPr>
-        <p:txBody>
-          <a:bodyPr wrap="square" rtlCol="0">
-            <a:spAutoFit/>
-          </a:bodyPr>
-          <a:lstStyle/>
-          <a:p>
-            <a:r>
-              <a:rPr lang="es-ES" dirty="0" err="1" smtClean="0"/>
-              <a:t>d</a:t>
-            </a:r>
-            <a:r>
-              <a:rPr lang="es-ES" sz="1200" dirty="0" err="1" smtClean="0"/>
-              <a:t>p</a:t>
-            </a:r>
-            <a:endParaRPr lang="es-ES" sz="1200" dirty="0"/>
-          </a:p>
-        </p:txBody>
-      </p:sp>
-      <p:sp>
-        <p:nvSpPr>
-          <p:cNvPr id="7" name="CuadroTexto 6"/>
-          <p:cNvSpPr txBox="1"/>
-          <p:nvPr/>
-        </p:nvSpPr>
-        <p:spPr>
-          <a:xfrm>
-            <a:off x="5477933" y="2328334"/>
-            <a:ext cx="550333" cy="369332"/>
-          </a:xfrm>
-          <a:prstGeom prst="rect">
-            <a:avLst/>
-          </a:prstGeom>
-          <a:noFill/>
-        </p:spPr>
-        <p:txBody>
-          <a:bodyPr wrap="square" rtlCol="0">
-            <a:spAutoFit/>
-          </a:bodyPr>
-          <a:lstStyle/>
-          <a:p>
-            <a:r>
-              <a:rPr lang="es-ES" dirty="0" err="1"/>
-              <a:t>f</a:t>
-            </a:r>
-            <a:r>
-              <a:rPr lang="es-ES" sz="1200" dirty="0" err="1" smtClean="0"/>
-              <a:t>p</a:t>
-            </a:r>
-            <a:endParaRPr lang="es-ES" sz="1200" dirty="0"/>
-          </a:p>
-        </p:txBody>
-      </p:sp>
-      <p:graphicFrame>
-        <p:nvGraphicFramePr>
-          <p:cNvPr id="9" name="Marcador de contenido 3"/>
-          <p:cNvGraphicFramePr>
-            <a:graphicFrameLocks/>
-          </p:cNvGraphicFramePr>
-          <p:nvPr>
-            <p:extLst>
-              <p:ext uri="{D42A27DB-BD31-4B8C-83A1-F6EECF244321}">
-                <p14:modId xmlns:p14="http://schemas.microsoft.com/office/powerpoint/2010/main" val="2267575021"/>
-              </p:ext>
-            </p:extLst>
-          </p:nvPr>
-        </p:nvGraphicFramePr>
-        <p:xfrm>
-          <a:off x="3090333" y="4445530"/>
-          <a:ext cx="4618709" cy="741680"/>
-        </p:xfrm>
-        <a:graphic>
-          <a:graphicData uri="http://schemas.openxmlformats.org/drawingml/2006/table">
-            <a:tbl>
-              <a:tblPr firstRow="1" bandRow="1">
-                <a:tableStyleId>{5C22544A-7EE6-4342-B048-85BDC9FD1C3A}</a:tableStyleId>
-              </a:tblPr>
-              <a:tblGrid>
-                <a:gridCol w="1473200"/>
-                <a:gridCol w="639633"/>
-                <a:gridCol w="626469"/>
-                <a:gridCol w="626469"/>
-                <a:gridCol w="626469"/>
-                <a:gridCol w="626469"/>
-              </a:tblGrid>
-              <a:tr h="370840">
-                <a:tc>
-                  <a:txBody>
-                    <a:bodyPr/>
-                    <a:lstStyle/>
-                    <a:p>
-                      <a:pPr algn="ctr"/>
-                      <a:r>
-                        <a:rPr lang="es-ES" dirty="0" smtClean="0"/>
-                        <a:t>habitación</a:t>
-                      </a:r>
-                      <a:endParaRPr lang="es-ES" dirty="0"/>
-                    </a:p>
-                  </a:txBody>
-                  <a:tcPr/>
-                </a:tc>
-                <a:tc>
-                  <a:txBody>
-                    <a:bodyPr/>
-                    <a:lstStyle/>
-                    <a:p>
-                      <a:pPr algn="ctr"/>
-                      <a:r>
-                        <a:rPr lang="es-ES" dirty="0" smtClean="0"/>
-                        <a:t>1</a:t>
-                      </a:r>
-                      <a:endParaRPr lang="es-ES" dirty="0"/>
-                    </a:p>
-                  </a:txBody>
-                  <a:tcPr/>
-                </a:tc>
-                <a:tc>
-                  <a:txBody>
-                    <a:bodyPr/>
-                    <a:lstStyle/>
-                    <a:p>
-                      <a:pPr algn="ctr"/>
-                      <a:r>
-                        <a:rPr lang="es-ES" dirty="0" smtClean="0"/>
-                        <a:t>2</a:t>
-                      </a:r>
-                      <a:endParaRPr lang="es-ES" dirty="0"/>
-                    </a:p>
-                  </a:txBody>
-                  <a:tcPr/>
-                </a:tc>
-                <a:tc>
-                  <a:txBody>
-                    <a:bodyPr/>
-                    <a:lstStyle/>
-                    <a:p>
-                      <a:pPr algn="ctr"/>
-                      <a:r>
-                        <a:rPr lang="es-ES" dirty="0" smtClean="0"/>
-                        <a:t>3</a:t>
-                      </a:r>
-                      <a:endParaRPr lang="es-ES" dirty="0"/>
-                    </a:p>
-                  </a:txBody>
-                  <a:tcPr/>
-                </a:tc>
-                <a:tc>
-                  <a:txBody>
-                    <a:bodyPr/>
-                    <a:lstStyle/>
-                    <a:p>
-                      <a:pPr algn="ctr"/>
-                      <a:r>
-                        <a:rPr lang="es-ES" dirty="0" smtClean="0"/>
-                        <a:t>4</a:t>
-                      </a:r>
-                      <a:endParaRPr lang="es-ES" dirty="0"/>
-                    </a:p>
-                  </a:txBody>
-                  <a:tcPr/>
-                </a:tc>
-                <a:tc>
-                  <a:txBody>
-                    <a:bodyPr/>
-                    <a:lstStyle/>
-                    <a:p>
-                      <a:pPr algn="ctr"/>
-                      <a:r>
-                        <a:rPr lang="es-ES" dirty="0" smtClean="0"/>
-                        <a:t>5</a:t>
-                      </a:r>
-                      <a:endParaRPr lang="es-ES" dirty="0"/>
-                    </a:p>
-                  </a:txBody>
-                  <a:tcPr/>
-                </a:tc>
-              </a:tr>
-              <a:tr h="370840">
-                <a:tc>
-                  <a:txBody>
-                    <a:bodyPr/>
-                    <a:lstStyle/>
-                    <a:p>
-                      <a:pPr algn="ctr"/>
-                      <a:r>
-                        <a:rPr lang="es-ES" dirty="0" smtClean="0"/>
-                        <a:t>oficinista</a:t>
-                      </a:r>
-                      <a:endParaRPr lang="es-ES" dirty="0"/>
-                    </a:p>
-                  </a:txBody>
-                  <a:tcPr/>
-                </a:tc>
-                <a:tc>
-                  <a:txBody>
-                    <a:bodyPr/>
-                    <a:lstStyle/>
-                    <a:p>
-                      <a:pPr algn="ctr"/>
-                      <a:r>
-                        <a:rPr lang="es-ES" dirty="0" smtClean="0"/>
-                        <a:t>4</a:t>
-                      </a:r>
-                      <a:endParaRPr lang="es-ES" dirty="0"/>
-                    </a:p>
-                  </a:txBody>
-                  <a:tcPr/>
-                </a:tc>
-                <a:tc>
-                  <a:txBody>
-                    <a:bodyPr/>
-                    <a:lstStyle/>
-                    <a:p>
-                      <a:pPr algn="ctr"/>
-                      <a:r>
-                        <a:rPr lang="es-ES" dirty="0" smtClean="0"/>
-                        <a:t>3</a:t>
-                      </a:r>
-                      <a:endParaRPr lang="es-ES" dirty="0"/>
-                    </a:p>
-                  </a:txBody>
-                  <a:tcPr/>
-                </a:tc>
-                <a:tc>
-                  <a:txBody>
-                    <a:bodyPr/>
-                    <a:lstStyle/>
-                    <a:p>
-                      <a:endParaRPr lang="es-ES" dirty="0"/>
-                    </a:p>
-                  </a:txBody>
-                  <a:tcPr/>
-                </a:tc>
-                <a:tc>
-                  <a:txBody>
-                    <a:bodyPr/>
-                    <a:lstStyle/>
-                    <a:p>
-                      <a:pPr algn="ctr"/>
-                      <a:r>
-                        <a:rPr lang="es-ES" dirty="0" smtClean="0"/>
-                        <a:t>5</a:t>
-                      </a:r>
-                      <a:endParaRPr lang="es-ES" dirty="0"/>
-                    </a:p>
-                  </a:txBody>
-                  <a:tcPr/>
-                </a:tc>
-                <a:tc>
-                  <a:txBody>
-                    <a:bodyPr/>
-                    <a:lstStyle/>
-                    <a:p>
-                      <a:endParaRPr lang="es-ES" dirty="0"/>
-                    </a:p>
-                  </a:txBody>
-                  <a:tcPr/>
-                </a:tc>
-              </a:tr>
-            </a:tbl>
-          </a:graphicData>
-        </a:graphic>
-      </p:graphicFrame>
-      <p:cxnSp>
-        <p:nvCxnSpPr>
-          <p:cNvPr id="8" name="Conector recto de flecha 7"/>
-          <p:cNvCxnSpPr/>
-          <p:nvPr/>
-        </p:nvCxnSpPr>
-        <p:spPr>
-          <a:xfrm>
-            <a:off x="2650067" y="2895600"/>
-            <a:ext cx="2616200" cy="1566333"/>
-          </a:xfrm>
-          <a:prstGeom prst="straightConnector1">
-            <a:avLst/>
-          </a:prstGeom>
-          <a:ln>
-            <a:tailEnd type="triangle"/>
-          </a:ln>
-        </p:spPr>
-        <p:style>
-          <a:lnRef idx="1">
-            <a:schemeClr val="accent1"/>
-          </a:lnRef>
-          <a:fillRef idx="0">
-            <a:schemeClr val="accent1"/>
-          </a:fillRef>
-          <a:effectRef idx="0">
-            <a:schemeClr val="accent1"/>
-          </a:effectRef>
-          <a:fontRef idx="minor">
-            <a:schemeClr val="tx1"/>
-          </a:fontRef>
-        </p:style>
-      </p:cxnSp>
-      <p:cxnSp>
-        <p:nvCxnSpPr>
-          <p:cNvPr id="13" name="Conector recto de flecha 12"/>
-          <p:cNvCxnSpPr/>
-          <p:nvPr/>
-        </p:nvCxnSpPr>
-        <p:spPr>
-          <a:xfrm flipH="1">
-            <a:off x="5698067" y="2895600"/>
-            <a:ext cx="1896533" cy="2023533"/>
-          </a:xfrm>
-          <a:prstGeom prst="straightConnector1">
-            <a:avLst/>
-          </a:prstGeom>
-          <a:ln>
-            <a:tailEnd type="triangle"/>
-          </a:ln>
-        </p:spPr>
-        <p:style>
-          <a:lnRef idx="1">
-            <a:schemeClr val="accent1"/>
-          </a:lnRef>
-          <a:fillRef idx="0">
-            <a:schemeClr val="accent1"/>
-          </a:fillRef>
-          <a:effectRef idx="0">
-            <a:schemeClr val="accent1"/>
-          </a:effectRef>
-          <a:fontRef idx="minor">
-            <a:schemeClr val="tx1"/>
-          </a:fontRef>
-        </p:style>
-      </p:cxnSp>
-    </p:spTree>
-    <p:extLst>
-      <p:ext uri="{BB962C8B-B14F-4D97-AF65-F5344CB8AC3E}">
-        <p14:creationId xmlns:p14="http://schemas.microsoft.com/office/powerpoint/2010/main" val="3324098150"/>
       </p:ext>
     </p:extLst>
   </p:cSld>
